--- a/Archivos/Presentacion.pptx
+++ b/Archivos/Presentacion.pptx
@@ -6,9 +6,11 @@
   </p:sldMasterIdLst>
   <p:sldIdLst>
     <p:sldId id="256" r:id="rId2"/>
-    <p:sldId id="257" r:id="rId3"/>
-    <p:sldId id="259" r:id="rId4"/>
-    <p:sldId id="258" r:id="rId5"/>
+    <p:sldId id="259" r:id="rId3"/>
+    <p:sldId id="258" r:id="rId4"/>
+    <p:sldId id="257" r:id="rId5"/>
+    <p:sldId id="260" r:id="rId6"/>
+    <p:sldId id="261" r:id="rId7"/>
   </p:sldIdLst>
   <p:sldSz cx="12192000" cy="6858000"/>
   <p:notesSz cx="6858000" cy="9144000"/>
@@ -107,6 +109,11 @@
       </a:defRPr>
     </a:lvl9pPr>
   </p:defaultTextStyle>
+  <p:extLst>
+    <p:ext uri="{EFAFB233-063F-42B5-8137-9DF3F51BA10A}">
+      <p15:sldGuideLst xmlns:p15="http://schemas.microsoft.com/office/powerpoint/2012/main"/>
+    </p:ext>
+  </p:extLst>
 </p:presentation>
 </file>
 
@@ -384,7 +391,7 @@
           <a:p>
             <a:fld id="{C7E89970-E7BD-4151-9E16-388E2D7ABF9E}" type="datetimeFigureOut">
               <a:rPr lang="es-ES" smtClean="0"/>
-              <a:t>29/05/2021</a:t>
+              <a:t>02/06/2021</a:t>
             </a:fld>
             <a:endParaRPr lang="es-ES"/>
           </a:p>
@@ -798,7 +805,7 @@
           <a:p>
             <a:fld id="{C7E89970-E7BD-4151-9E16-388E2D7ABF9E}" type="datetimeFigureOut">
               <a:rPr lang="es-ES" smtClean="0"/>
-              <a:t>29/05/2021</a:t>
+              <a:t>02/06/2021</a:t>
             </a:fld>
             <a:endParaRPr lang="es-ES"/>
           </a:p>
@@ -1134,7 +1141,7 @@
           <a:p>
             <a:fld id="{C7E89970-E7BD-4151-9E16-388E2D7ABF9E}" type="datetimeFigureOut">
               <a:rPr lang="es-ES" smtClean="0"/>
-              <a:t>29/05/2021</a:t>
+              <a:t>02/06/2021</a:t>
             </a:fld>
             <a:endParaRPr lang="es-ES"/>
           </a:p>
@@ -1539,7 +1546,7 @@
           <a:p>
             <a:fld id="{C7E89970-E7BD-4151-9E16-388E2D7ABF9E}" type="datetimeFigureOut">
               <a:rPr lang="es-ES" smtClean="0"/>
-              <a:t>29/05/2021</a:t>
+              <a:t>02/06/2021</a:t>
             </a:fld>
             <a:endParaRPr lang="es-ES"/>
           </a:p>
@@ -2107,7 +2114,7 @@
           <a:p>
             <a:fld id="{C7E89970-E7BD-4151-9E16-388E2D7ABF9E}" type="datetimeFigureOut">
               <a:rPr lang="es-ES" smtClean="0"/>
-              <a:t>29/05/2021</a:t>
+              <a:t>02/06/2021</a:t>
             </a:fld>
             <a:endParaRPr lang="es-ES"/>
           </a:p>
@@ -2788,7 +2795,7 @@
           <a:p>
             <a:fld id="{C7E89970-E7BD-4151-9E16-388E2D7ABF9E}" type="datetimeFigureOut">
               <a:rPr lang="es-ES" smtClean="0"/>
-              <a:t>29/05/2021</a:t>
+              <a:t>02/06/2021</a:t>
             </a:fld>
             <a:endParaRPr lang="es-ES"/>
           </a:p>
@@ -3701,7 +3708,7 @@
           <a:p>
             <a:fld id="{C7E89970-E7BD-4151-9E16-388E2D7ABF9E}" type="datetimeFigureOut">
               <a:rPr lang="es-ES" smtClean="0"/>
-              <a:t>29/05/2021</a:t>
+              <a:t>02/06/2021</a:t>
             </a:fld>
             <a:endParaRPr lang="es-ES"/>
           </a:p>
@@ -4014,7 +4021,7 @@
           <a:p>
             <a:fld id="{C7E89970-E7BD-4151-9E16-388E2D7ABF9E}" type="datetimeFigureOut">
               <a:rPr lang="es-ES" smtClean="0"/>
-              <a:t>29/05/2021</a:t>
+              <a:t>02/06/2021</a:t>
             </a:fld>
             <a:endParaRPr lang="es-ES"/>
           </a:p>
@@ -4278,7 +4285,7 @@
           <a:p>
             <a:fld id="{C7E89970-E7BD-4151-9E16-388E2D7ABF9E}" type="datetimeFigureOut">
               <a:rPr lang="es-ES" smtClean="0"/>
-              <a:t>29/05/2021</a:t>
+              <a:t>02/06/2021</a:t>
             </a:fld>
             <a:endParaRPr lang="es-ES"/>
           </a:p>
@@ -4601,7 +4608,7 @@
           <a:p>
             <a:fld id="{C7E89970-E7BD-4151-9E16-388E2D7ABF9E}" type="datetimeFigureOut">
               <a:rPr lang="es-ES" smtClean="0"/>
-              <a:t>29/05/2021</a:t>
+              <a:t>02/06/2021</a:t>
             </a:fld>
             <a:endParaRPr lang="es-ES"/>
           </a:p>
@@ -4990,7 +4997,7 @@
           <a:p>
             <a:fld id="{C7E89970-E7BD-4151-9E16-388E2D7ABF9E}" type="datetimeFigureOut">
               <a:rPr lang="es-ES" smtClean="0"/>
-              <a:t>29/05/2021</a:t>
+              <a:t>02/06/2021</a:t>
             </a:fld>
             <a:endParaRPr lang="es-ES"/>
           </a:p>
@@ -5366,7 +5373,7 @@
           <a:p>
             <a:fld id="{C7E89970-E7BD-4151-9E16-388E2D7ABF9E}" type="datetimeFigureOut">
               <a:rPr lang="es-ES" smtClean="0"/>
-              <a:t>29/05/2021</a:t>
+              <a:t>02/06/2021</a:t>
             </a:fld>
             <a:endParaRPr lang="es-ES"/>
           </a:p>
@@ -5872,7 +5879,7 @@
           <a:p>
             <a:fld id="{C7E89970-E7BD-4151-9E16-388E2D7ABF9E}" type="datetimeFigureOut">
               <a:rPr lang="es-ES" smtClean="0"/>
-              <a:t>29/05/2021</a:t>
+              <a:t>02/06/2021</a:t>
             </a:fld>
             <a:endParaRPr lang="es-ES"/>
           </a:p>
@@ -6129,7 +6136,7 @@
           <a:p>
             <a:fld id="{C7E89970-E7BD-4151-9E16-388E2D7ABF9E}" type="datetimeFigureOut">
               <a:rPr lang="es-ES" smtClean="0"/>
-              <a:t>29/05/2021</a:t>
+              <a:t>02/06/2021</a:t>
             </a:fld>
             <a:endParaRPr lang="es-ES"/>
           </a:p>
@@ -6292,7 +6299,7 @@
           <a:p>
             <a:fld id="{C7E89970-E7BD-4151-9E16-388E2D7ABF9E}" type="datetimeFigureOut">
               <a:rPr lang="es-ES" smtClean="0"/>
-              <a:t>29/05/2021</a:t>
+              <a:t>02/06/2021</a:t>
             </a:fld>
             <a:endParaRPr lang="es-ES"/>
           </a:p>
@@ -6682,7 +6689,7 @@
           <a:p>
             <a:fld id="{C7E89970-E7BD-4151-9E16-388E2D7ABF9E}" type="datetimeFigureOut">
               <a:rPr lang="es-ES" smtClean="0"/>
-              <a:t>29/05/2021</a:t>
+              <a:t>02/06/2021</a:t>
             </a:fld>
             <a:endParaRPr lang="es-ES"/>
           </a:p>
@@ -7091,7 +7098,7 @@
           <a:p>
             <a:fld id="{C7E89970-E7BD-4151-9E16-388E2D7ABF9E}" type="datetimeFigureOut">
               <a:rPr lang="es-ES" smtClean="0"/>
-              <a:t>29/05/2021</a:t>
+              <a:t>02/06/2021</a:t>
             </a:fld>
             <a:endParaRPr lang="es-ES"/>
           </a:p>
@@ -7335,7 +7342,7 @@
           <a:p>
             <a:fld id="{C7E89970-E7BD-4151-9E16-388E2D7ABF9E}" type="datetimeFigureOut">
               <a:rPr lang="es-ES" smtClean="0"/>
-              <a:t>29/05/2021</a:t>
+              <a:t>02/06/2021</a:t>
             </a:fld>
             <a:endParaRPr lang="es-ES"/>
           </a:p>
@@ -7859,10 +7866,10 @@
       </p:grpSpPr>
       <p:sp>
         <p:nvSpPr>
-          <p:cNvPr id="2" name="Título 1">
+          <p:cNvPr id="4" name="Título 1">
             <a:extLst>
               <a:ext uri="{FF2B5EF4-FFF2-40B4-BE49-F238E27FC236}">
-                <a16:creationId xmlns:a16="http://schemas.microsoft.com/office/drawing/2014/main" id="{CF5F788F-539F-4501-98DD-91CEC007ACD3}"/>
+                <a16:creationId xmlns:a16="http://schemas.microsoft.com/office/drawing/2014/main" id="{AD0CC542-8BB8-4C2B-9BF4-824912EC7C05}"/>
               </a:ext>
             </a:extLst>
           </p:cNvPr>
@@ -7875,8 +7882,8 @@
         </p:nvSpPr>
         <p:spPr>
           <a:xfrm>
-            <a:off x="662566" y="966292"/>
-            <a:ext cx="9613861" cy="1080938"/>
+            <a:off x="538996" y="921811"/>
+            <a:ext cx="9613900" cy="1081088"/>
           </a:xfrm>
         </p:spPr>
         <p:txBody>
@@ -7885,6 +7892,16 @@
           </a:bodyPr>
           <a:lstStyle/>
           <a:p>
+            <a:r>
+              <a:rPr lang="es-ES" dirty="0">
+                <a:solidFill>
+                  <a:srgbClr val="FF0000"/>
+                </a:solidFill>
+                <a:latin typeface="Calibri Light" panose="020F0302020204030204" pitchFamily="34" charset="0"/>
+                <a:cs typeface="Times New Roman" panose="02020603050405020304" pitchFamily="18" charset="0"/>
+              </a:rPr>
+              <a:t>¿Cómo funciona un combate Pokémon</a:t>
+            </a:r>
             <a:r>
               <a:rPr lang="es-ES" dirty="0">
                 <a:solidFill>
@@ -7894,7 +7911,7 @@
                 <a:ea typeface="Times New Roman" panose="02020603050405020304" pitchFamily="18" charset="0"/>
                 <a:cs typeface="Times New Roman" panose="02020603050405020304" pitchFamily="18" charset="0"/>
               </a:rPr>
-              <a:t>Descripción general del proyecto.</a:t>
+              <a:t>?</a:t>
             </a:r>
             <a:br>
               <a:rPr lang="es-ES" sz="3600" dirty="0">
@@ -7913,10 +7930,10 @@
       </p:sp>
       <p:pic>
         <p:nvPicPr>
-          <p:cNvPr id="1026" name="Picture 2" descr="Base de datos - Iconos gratis de tecnología">
+          <p:cNvPr id="3074" name="Picture 2" descr="Retroanálisis] Pokémon Esmeralda - Nintenderos - Nintendo Switch, Switch  Lite y 3DS">
             <a:extLst>
               <a:ext uri="{FF2B5EF4-FFF2-40B4-BE49-F238E27FC236}">
-                <a16:creationId xmlns:a16="http://schemas.microsoft.com/office/drawing/2014/main" id="{E80C97CB-10BE-4C3F-81F7-918A13816267}"/>
+                <a16:creationId xmlns:a16="http://schemas.microsoft.com/office/drawing/2014/main" id="{EA465992-C680-4C5C-B387-0C76BD9AD793}"/>
               </a:ext>
             </a:extLst>
           </p:cNvPr>
@@ -7940,8 +7957,8 @@
         </p:blipFill>
         <p:spPr bwMode="auto">
           <a:xfrm>
-            <a:off x="2645547" y="5721103"/>
-            <a:ext cx="611818" cy="611818"/>
+            <a:off x="4484333" y="3012325"/>
+            <a:ext cx="3223334" cy="2148889"/>
           </a:xfrm>
           <a:prstGeom prst="rect">
             <a:avLst/>
@@ -7958,12 +7975,47 @@
           </a:extLst>
         </p:spPr>
       </p:pic>
+      <p:sp>
+        <p:nvSpPr>
+          <p:cNvPr id="5" name="CuadroTexto 4">
+            <a:extLst>
+              <a:ext uri="{FF2B5EF4-FFF2-40B4-BE49-F238E27FC236}">
+                <a16:creationId xmlns:a16="http://schemas.microsoft.com/office/drawing/2014/main" id="{E6CCA0D2-19D0-44E9-9FA1-633AD2CCFC77}"/>
+              </a:ext>
+            </a:extLst>
+          </p:cNvPr>
+          <p:cNvSpPr txBox="1"/>
+          <p:nvPr/>
+        </p:nvSpPr>
+        <p:spPr>
+          <a:xfrm>
+            <a:off x="5672830" y="2571972"/>
+            <a:ext cx="1003177" cy="369332"/>
+          </a:xfrm>
+          <a:prstGeom prst="rect">
+            <a:avLst/>
+          </a:prstGeom>
+          <a:noFill/>
+        </p:spPr>
+        <p:txBody>
+          <a:bodyPr wrap="square" rtlCol="0">
+            <a:spAutoFit/>
+          </a:bodyPr>
+          <a:lstStyle/>
+          <a:p>
+            <a:r>
+              <a:rPr lang="es-ES" dirty="0"/>
+              <a:t>6 vs 6</a:t>
+            </a:r>
+          </a:p>
+        </p:txBody>
+      </p:sp>
       <p:pic>
         <p:nvPicPr>
-          <p:cNvPr id="1028" name="Picture 4" descr="Icono Pantalla, escritorio, pc, ordenador Gratis de Office">
+          <p:cNvPr id="3076" name="Picture 4" descr="Estrategia Pikachu competitiva | •Pokémon• En Español Amino">
             <a:extLst>
               <a:ext uri="{FF2B5EF4-FFF2-40B4-BE49-F238E27FC236}">
-                <a16:creationId xmlns:a16="http://schemas.microsoft.com/office/drawing/2014/main" id="{5B82540E-5912-46A6-A944-C0A7EF1444E2}"/>
+                <a16:creationId xmlns:a16="http://schemas.microsoft.com/office/drawing/2014/main" id="{9963BDA6-9731-488F-90E0-DCECC179FDC2}"/>
               </a:ext>
             </a:extLst>
           </p:cNvPr>
@@ -7972,7 +8024,7 @@
           </p:cNvPicPr>
           <p:nvPr/>
         </p:nvPicPr>
-        <p:blipFill>
+        <p:blipFill rotWithShape="1">
           <a:blip r:embed="rId3">
             <a:extLst>
               <a:ext uri="{28A0092B-C50C-407E-A947-70E740481C1C}">
@@ -7980,15 +8032,13 @@
               </a:ext>
             </a:extLst>
           </a:blip>
-          <a:srcRect/>
-          <a:stretch>
-            <a:fillRect/>
-          </a:stretch>
+          <a:srcRect l="3402" t="24663" r="5993" b="25306"/>
+          <a:stretch/>
         </p:blipFill>
         <p:spPr bwMode="auto">
           <a:xfrm>
-            <a:off x="1983791" y="2633367"/>
-            <a:ext cx="1985082" cy="1985082"/>
+            <a:off x="538996" y="3263940"/>
+            <a:ext cx="3264514" cy="1201774"/>
           </a:xfrm>
           <a:prstGeom prst="rect">
             <a:avLst/>
@@ -8007,10 +8057,10 @@
       </p:pic>
       <p:pic>
         <p:nvPicPr>
-          <p:cNvPr id="1030" name="Picture 6" descr="Contacto - Sección Sindical de la CSC en Ayesa AT">
+          <p:cNvPr id="3078" name="Picture 6" descr="Tipos elementales | WikiDex | Fandom">
             <a:extLst>
               <a:ext uri="{FF2B5EF4-FFF2-40B4-BE49-F238E27FC236}">
-                <a16:creationId xmlns:a16="http://schemas.microsoft.com/office/drawing/2014/main" id="{1B0966D6-C5DA-4370-83EC-E38D0D87A395}"/>
+                <a16:creationId xmlns:a16="http://schemas.microsoft.com/office/drawing/2014/main" id="{F550DE5A-1277-4E9A-A48F-1153F5F1026D}"/>
               </a:ext>
             </a:extLst>
           </p:cNvPr>
@@ -8034,8 +8084,8 @@
         </p:blipFill>
         <p:spPr bwMode="auto">
           <a:xfrm>
-            <a:off x="8361277" y="2313275"/>
-            <a:ext cx="2231449" cy="2231449"/>
+            <a:off x="8741347" y="2818386"/>
+            <a:ext cx="2823098" cy="2778640"/>
           </a:xfrm>
           <a:prstGeom prst="rect">
             <a:avLst/>
@@ -8052,710 +8102,10 @@
           </a:extLst>
         </p:spPr>
       </p:pic>
-      <p:pic>
-        <p:nvPicPr>
-          <p:cNvPr id="7" name="Picture 2" descr="Base de datos - Iconos gratis de tecnología">
-            <a:extLst>
-              <a:ext uri="{FF2B5EF4-FFF2-40B4-BE49-F238E27FC236}">
-                <a16:creationId xmlns:a16="http://schemas.microsoft.com/office/drawing/2014/main" id="{B1BBCDAF-501C-4820-B6DC-4452731C0564}"/>
-              </a:ext>
-            </a:extLst>
-          </p:cNvPr>
-          <p:cNvPicPr>
-            <a:picLocks noChangeAspect="1" noChangeArrowheads="1"/>
-          </p:cNvPicPr>
-          <p:nvPr/>
-        </p:nvPicPr>
-        <p:blipFill>
-          <a:blip r:embed="rId2">
-            <a:extLst>
-              <a:ext uri="{28A0092B-C50C-407E-A947-70E740481C1C}">
-                <a14:useLocalDpi xmlns:a14="http://schemas.microsoft.com/office/drawing/2010/main" val="0"/>
-              </a:ext>
-            </a:extLst>
-          </a:blip>
-          <a:srcRect/>
-          <a:stretch>
-            <a:fillRect/>
-          </a:stretch>
-        </p:blipFill>
-        <p:spPr bwMode="auto">
-          <a:xfrm>
-            <a:off x="9167766" y="5721103"/>
-            <a:ext cx="611818" cy="611818"/>
-          </a:xfrm>
-          <a:prstGeom prst="rect">
-            <a:avLst/>
-          </a:prstGeom>
-          <a:noFill/>
-          <a:extLst>
-            <a:ext uri="{909E8E84-426E-40DD-AFC4-6F175D3DCCD1}">
-              <a14:hiddenFill xmlns:a14="http://schemas.microsoft.com/office/drawing/2010/main">
-                <a:solidFill>
-                  <a:srgbClr val="FFFFFF"/>
-                </a:solidFill>
-              </a14:hiddenFill>
-            </a:ext>
-          </a:extLst>
-        </p:spPr>
-      </p:pic>
-      <p:pic>
-        <p:nvPicPr>
-          <p:cNvPr id="1034" name="Picture 10" descr="Basic - Smart Home Building Automation Software - ComfortClick bOS">
-            <a:extLst>
-              <a:ext uri="{FF2B5EF4-FFF2-40B4-BE49-F238E27FC236}">
-                <a16:creationId xmlns:a16="http://schemas.microsoft.com/office/drawing/2014/main" id="{2A53077D-71BE-4707-B4E6-BE006FB9093A}"/>
-              </a:ext>
-            </a:extLst>
-          </p:cNvPr>
-          <p:cNvPicPr>
-            <a:picLocks noChangeAspect="1" noChangeArrowheads="1"/>
-          </p:cNvPicPr>
-          <p:nvPr/>
-        </p:nvPicPr>
-        <p:blipFill>
-          <a:blip r:embed="rId5">
-            <a:extLst>
-              <a:ext uri="{28A0092B-C50C-407E-A947-70E740481C1C}">
-                <a14:useLocalDpi xmlns:a14="http://schemas.microsoft.com/office/drawing/2010/main" val="0"/>
-              </a:ext>
-            </a:extLst>
-          </a:blip>
-          <a:srcRect/>
-          <a:stretch>
-            <a:fillRect/>
-          </a:stretch>
-        </p:blipFill>
-        <p:spPr bwMode="auto">
-          <a:xfrm>
-            <a:off x="5866553" y="1950324"/>
-            <a:ext cx="1123656" cy="1123656"/>
-          </a:xfrm>
-          <a:prstGeom prst="rect">
-            <a:avLst/>
-          </a:prstGeom>
-          <a:noFill/>
-          <a:extLst>
-            <a:ext uri="{909E8E84-426E-40DD-AFC4-6F175D3DCCD1}">
-              <a14:hiddenFill xmlns:a14="http://schemas.microsoft.com/office/drawing/2010/main">
-                <a:solidFill>
-                  <a:srgbClr val="FFFFFF"/>
-                </a:solidFill>
-              </a14:hiddenFill>
-            </a:ext>
-          </a:extLst>
-        </p:spPr>
-      </p:pic>
-      <p:sp>
-        <p:nvSpPr>
-          <p:cNvPr id="4" name="Flecha: hacia abajo 3">
-            <a:extLst>
-              <a:ext uri="{FF2B5EF4-FFF2-40B4-BE49-F238E27FC236}">
-                <a16:creationId xmlns:a16="http://schemas.microsoft.com/office/drawing/2014/main" id="{7870E88D-9D1B-43A5-8E12-E373304153B9}"/>
-              </a:ext>
-            </a:extLst>
-          </p:cNvPr>
-          <p:cNvSpPr/>
-          <p:nvPr/>
-        </p:nvSpPr>
-        <p:spPr>
-          <a:xfrm flipV="1">
-            <a:off x="2698812" y="4449283"/>
-            <a:ext cx="505288" cy="1161403"/>
-          </a:xfrm>
-          <a:prstGeom prst="downArrow">
-            <a:avLst/>
-          </a:prstGeom>
-        </p:spPr>
-        <p:style>
-          <a:lnRef idx="2">
-            <a:schemeClr val="accent1">
-              <a:shade val="50000"/>
-            </a:schemeClr>
-          </a:lnRef>
-          <a:fillRef idx="1">
-            <a:schemeClr val="accent1"/>
-          </a:fillRef>
-          <a:effectRef idx="0">
-            <a:schemeClr val="accent1"/>
-          </a:effectRef>
-          <a:fontRef idx="minor">
-            <a:schemeClr val="lt1"/>
-          </a:fontRef>
-        </p:style>
-        <p:txBody>
-          <a:bodyPr rtlCol="0" anchor="ctr"/>
-          <a:lstStyle/>
-          <a:p>
-            <a:pPr algn="ctr"/>
-            <a:endParaRPr lang="es-ES"/>
-          </a:p>
-        </p:txBody>
-      </p:sp>
-      <p:sp>
-        <p:nvSpPr>
-          <p:cNvPr id="11" name="Flecha: hacia abajo 10">
-            <a:extLst>
-              <a:ext uri="{FF2B5EF4-FFF2-40B4-BE49-F238E27FC236}">
-                <a16:creationId xmlns:a16="http://schemas.microsoft.com/office/drawing/2014/main" id="{4EB92C4B-1882-4B16-BFAC-987FBEEC4B08}"/>
-              </a:ext>
-            </a:extLst>
-          </p:cNvPr>
-          <p:cNvSpPr/>
-          <p:nvPr/>
-        </p:nvSpPr>
-        <p:spPr>
-          <a:xfrm flipV="1">
-            <a:off x="9221031" y="4378491"/>
-            <a:ext cx="505288" cy="1161403"/>
-          </a:xfrm>
-          <a:prstGeom prst="downArrow">
-            <a:avLst/>
-          </a:prstGeom>
-        </p:spPr>
-        <p:style>
-          <a:lnRef idx="2">
-            <a:schemeClr val="accent1">
-              <a:shade val="50000"/>
-            </a:schemeClr>
-          </a:lnRef>
-          <a:fillRef idx="1">
-            <a:schemeClr val="accent1"/>
-          </a:fillRef>
-          <a:effectRef idx="0">
-            <a:schemeClr val="accent1"/>
-          </a:effectRef>
-          <a:fontRef idx="minor">
-            <a:schemeClr val="lt1"/>
-          </a:fontRef>
-        </p:style>
-        <p:txBody>
-          <a:bodyPr rtlCol="0" anchor="ctr"/>
-          <a:lstStyle/>
-          <a:p>
-            <a:pPr algn="ctr"/>
-            <a:endParaRPr lang="es-ES"/>
-          </a:p>
-        </p:txBody>
-      </p:sp>
-      <p:sp>
-        <p:nvSpPr>
-          <p:cNvPr id="13" name="Flecha: hacia abajo 12">
-            <a:extLst>
-              <a:ext uri="{FF2B5EF4-FFF2-40B4-BE49-F238E27FC236}">
-                <a16:creationId xmlns:a16="http://schemas.microsoft.com/office/drawing/2014/main" id="{09D42BC5-CB8B-439E-93C7-C2B5FE3F048E}"/>
-              </a:ext>
-            </a:extLst>
-          </p:cNvPr>
-          <p:cNvSpPr/>
-          <p:nvPr/>
-        </p:nvSpPr>
-        <p:spPr>
-          <a:xfrm rot="16200000" flipV="1">
-            <a:off x="6392536" y="1065975"/>
-            <a:ext cx="269289" cy="4429959"/>
-          </a:xfrm>
-          <a:prstGeom prst="downArrow">
-            <a:avLst>
-              <a:gd name="adj1" fmla="val 50000"/>
-              <a:gd name="adj2" fmla="val 129121"/>
-            </a:avLst>
-          </a:prstGeom>
-        </p:spPr>
-        <p:style>
-          <a:lnRef idx="2">
-            <a:schemeClr val="accent1">
-              <a:shade val="50000"/>
-            </a:schemeClr>
-          </a:lnRef>
-          <a:fillRef idx="1">
-            <a:schemeClr val="accent1"/>
-          </a:fillRef>
-          <a:effectRef idx="0">
-            <a:schemeClr val="accent1"/>
-          </a:effectRef>
-          <a:fontRef idx="minor">
-            <a:schemeClr val="lt1"/>
-          </a:fontRef>
-        </p:style>
-        <p:txBody>
-          <a:bodyPr rtlCol="0" anchor="ctr"/>
-          <a:lstStyle/>
-          <a:p>
-            <a:pPr algn="ctr"/>
-            <a:endParaRPr lang="es-ES"/>
-          </a:p>
-        </p:txBody>
-      </p:sp>
-      <p:sp>
-        <p:nvSpPr>
-          <p:cNvPr id="14" name="Flecha: hacia abajo 13">
-            <a:extLst>
-              <a:ext uri="{FF2B5EF4-FFF2-40B4-BE49-F238E27FC236}">
-                <a16:creationId xmlns:a16="http://schemas.microsoft.com/office/drawing/2014/main" id="{0741DD26-C7B7-4AD1-B988-E35CB993A2A8}"/>
-              </a:ext>
-            </a:extLst>
-          </p:cNvPr>
-          <p:cNvSpPr/>
-          <p:nvPr/>
-        </p:nvSpPr>
-        <p:spPr>
-          <a:xfrm rot="5400000" flipV="1">
-            <a:off x="6392536" y="1591308"/>
-            <a:ext cx="269289" cy="4429959"/>
-          </a:xfrm>
-          <a:prstGeom prst="downArrow">
-            <a:avLst>
-              <a:gd name="adj1" fmla="val 50000"/>
-              <a:gd name="adj2" fmla="val 129121"/>
-            </a:avLst>
-          </a:prstGeom>
-        </p:spPr>
-        <p:style>
-          <a:lnRef idx="2">
-            <a:schemeClr val="accent1">
-              <a:shade val="50000"/>
-            </a:schemeClr>
-          </a:lnRef>
-          <a:fillRef idx="1">
-            <a:schemeClr val="accent1"/>
-          </a:fillRef>
-          <a:effectRef idx="0">
-            <a:schemeClr val="accent1"/>
-          </a:effectRef>
-          <a:fontRef idx="minor">
-            <a:schemeClr val="lt1"/>
-          </a:fontRef>
-        </p:style>
-        <p:txBody>
-          <a:bodyPr rtlCol="0" anchor="ctr"/>
-          <a:lstStyle/>
-          <a:p>
-            <a:pPr algn="ctr"/>
-            <a:endParaRPr lang="es-ES"/>
-          </a:p>
-        </p:txBody>
-      </p:sp>
-      <p:pic>
-        <p:nvPicPr>
-          <p:cNvPr id="1032" name="Picture 8" descr="Free Xml File Icon of Colored Outline style - Available in SVG, PNG, EPS,  AI &amp; Icon fonts">
-            <a:extLst>
-              <a:ext uri="{FF2B5EF4-FFF2-40B4-BE49-F238E27FC236}">
-                <a16:creationId xmlns:a16="http://schemas.microsoft.com/office/drawing/2014/main" id="{395568D9-D134-4A19-A5EC-D05916D93476}"/>
-              </a:ext>
-            </a:extLst>
-          </p:cNvPr>
-          <p:cNvPicPr>
-            <a:picLocks noChangeAspect="1" noChangeArrowheads="1"/>
-          </p:cNvPicPr>
-          <p:nvPr/>
-        </p:nvPicPr>
-        <p:blipFill>
-          <a:blip r:embed="rId6">
-            <a:extLst>
-              <a:ext uri="{28A0092B-C50C-407E-A947-70E740481C1C}">
-                <a14:useLocalDpi xmlns:a14="http://schemas.microsoft.com/office/drawing/2010/main" val="0"/>
-              </a:ext>
-            </a:extLst>
-          </a:blip>
-          <a:srcRect/>
-          <a:stretch>
-            <a:fillRect/>
-          </a:stretch>
-        </p:blipFill>
-        <p:spPr bwMode="auto">
-          <a:xfrm>
-            <a:off x="5951522" y="2977073"/>
-            <a:ext cx="1038687" cy="1038687"/>
-          </a:xfrm>
-          <a:prstGeom prst="rect">
-            <a:avLst/>
-          </a:prstGeom>
-          <a:noFill/>
-          <a:extLst>
-            <a:ext uri="{909E8E84-426E-40DD-AFC4-6F175D3DCCD1}">
-              <a14:hiddenFill xmlns:a14="http://schemas.microsoft.com/office/drawing/2010/main">
-                <a:solidFill>
-                  <a:srgbClr val="FFFFFF"/>
-                </a:solidFill>
-              </a14:hiddenFill>
-            </a:ext>
-          </a:extLst>
-        </p:spPr>
-      </p:pic>
-      <p:sp>
-        <p:nvSpPr>
-          <p:cNvPr id="5" name="CuadroTexto 4">
-            <a:extLst>
-              <a:ext uri="{FF2B5EF4-FFF2-40B4-BE49-F238E27FC236}">
-                <a16:creationId xmlns:a16="http://schemas.microsoft.com/office/drawing/2014/main" id="{0840DA44-C4A5-44F4-AC04-1D98166987F9}"/>
-              </a:ext>
-            </a:extLst>
-          </p:cNvPr>
-          <p:cNvSpPr txBox="1"/>
-          <p:nvPr/>
-        </p:nvSpPr>
-        <p:spPr>
-          <a:xfrm>
-            <a:off x="257452" y="3117645"/>
-            <a:ext cx="1726339" cy="1292662"/>
-          </a:xfrm>
-          <a:prstGeom prst="rect">
-            <a:avLst/>
-          </a:prstGeom>
-          <a:noFill/>
-        </p:spPr>
-        <p:txBody>
-          <a:bodyPr wrap="square" rtlCol="0">
-            <a:spAutoFit/>
-          </a:bodyPr>
-          <a:lstStyle/>
-          <a:p>
-            <a:r>
-              <a:rPr lang="es-ES" sz="1200" dirty="0"/>
-              <a:t>Aplicación Windows:</a:t>
-            </a:r>
-          </a:p>
-          <a:p>
-            <a:r>
-              <a:rPr lang="es-ES" sz="1200" dirty="0"/>
-              <a:t>- Visual Studio</a:t>
-            </a:r>
-          </a:p>
-          <a:p>
-            <a:r>
-              <a:rPr lang="es-ES" sz="1200" dirty="0"/>
-              <a:t>- .NET Framework.</a:t>
-            </a:r>
-          </a:p>
-          <a:p>
-            <a:r>
-              <a:rPr lang="es-ES" sz="1200" dirty="0"/>
-              <a:t>- Windows forms.</a:t>
-            </a:r>
-          </a:p>
-          <a:p>
-            <a:r>
-              <a:rPr lang="es-ES" sz="1200" dirty="0"/>
-              <a:t>- C#</a:t>
-            </a:r>
-          </a:p>
-          <a:p>
-            <a:endParaRPr lang="es-ES" dirty="0"/>
-          </a:p>
-        </p:txBody>
-      </p:sp>
-      <p:sp>
-        <p:nvSpPr>
-          <p:cNvPr id="16" name="CuadroTexto 15">
-            <a:extLst>
-              <a:ext uri="{FF2B5EF4-FFF2-40B4-BE49-F238E27FC236}">
-                <a16:creationId xmlns:a16="http://schemas.microsoft.com/office/drawing/2014/main" id="{E74794C1-CF0B-42BA-A237-7B4E3825439D}"/>
-              </a:ext>
-            </a:extLst>
-          </p:cNvPr>
-          <p:cNvSpPr txBox="1"/>
-          <p:nvPr/>
-        </p:nvSpPr>
-        <p:spPr>
-          <a:xfrm>
-            <a:off x="3351377" y="5805995"/>
-            <a:ext cx="1744406" cy="738664"/>
-          </a:xfrm>
-          <a:prstGeom prst="rect">
-            <a:avLst/>
-          </a:prstGeom>
-          <a:noFill/>
-        </p:spPr>
-        <p:txBody>
-          <a:bodyPr wrap="square" rtlCol="0">
-            <a:spAutoFit/>
-          </a:bodyPr>
-          <a:lstStyle/>
-          <a:p>
-            <a:r>
-              <a:rPr lang="es-ES" sz="1200" dirty="0"/>
-              <a:t>Base de datos:</a:t>
-            </a:r>
-          </a:p>
-          <a:p>
-            <a:r>
-              <a:rPr lang="es-ES" sz="1200" dirty="0"/>
-              <a:t>- Access SQL</a:t>
-            </a:r>
-          </a:p>
-          <a:p>
-            <a:endParaRPr lang="es-ES" dirty="0"/>
-          </a:p>
-        </p:txBody>
-      </p:sp>
-      <p:sp>
-        <p:nvSpPr>
-          <p:cNvPr id="17" name="CuadroTexto 16">
-            <a:extLst>
-              <a:ext uri="{FF2B5EF4-FFF2-40B4-BE49-F238E27FC236}">
-                <a16:creationId xmlns:a16="http://schemas.microsoft.com/office/drawing/2014/main" id="{0091BF19-927C-4F67-95D0-C9B93DF7D86D}"/>
-              </a:ext>
-            </a:extLst>
-          </p:cNvPr>
-          <p:cNvSpPr txBox="1"/>
-          <p:nvPr/>
-        </p:nvSpPr>
-        <p:spPr>
-          <a:xfrm>
-            <a:off x="7981913" y="5731797"/>
-            <a:ext cx="1744406" cy="738664"/>
-          </a:xfrm>
-          <a:prstGeom prst="rect">
-            <a:avLst/>
-          </a:prstGeom>
-          <a:noFill/>
-        </p:spPr>
-        <p:txBody>
-          <a:bodyPr wrap="square" rtlCol="0">
-            <a:spAutoFit/>
-          </a:bodyPr>
-          <a:lstStyle/>
-          <a:p>
-            <a:r>
-              <a:rPr lang="es-ES" sz="1200" dirty="0"/>
-              <a:t>Base de datos:</a:t>
-            </a:r>
-          </a:p>
-          <a:p>
-            <a:r>
-              <a:rPr lang="es-ES" sz="1200" dirty="0"/>
-              <a:t>- SQLite</a:t>
-            </a:r>
-          </a:p>
-          <a:p>
-            <a:endParaRPr lang="es-ES" dirty="0"/>
-          </a:p>
-        </p:txBody>
-      </p:sp>
-      <p:sp>
-        <p:nvSpPr>
-          <p:cNvPr id="18" name="CuadroTexto 17">
-            <a:extLst>
-              <a:ext uri="{FF2B5EF4-FFF2-40B4-BE49-F238E27FC236}">
-                <a16:creationId xmlns:a16="http://schemas.microsoft.com/office/drawing/2014/main" id="{0E01EDEA-AA39-40AC-BC8D-CF774576B7AF}"/>
-              </a:ext>
-            </a:extLst>
-          </p:cNvPr>
-          <p:cNvSpPr txBox="1"/>
-          <p:nvPr/>
-        </p:nvSpPr>
-        <p:spPr>
-          <a:xfrm>
-            <a:off x="10113228" y="3116854"/>
-            <a:ext cx="1744406" cy="923330"/>
-          </a:xfrm>
-          <a:prstGeom prst="rect">
-            <a:avLst/>
-          </a:prstGeom>
-          <a:noFill/>
-        </p:spPr>
-        <p:txBody>
-          <a:bodyPr wrap="square" rtlCol="0">
-            <a:spAutoFit/>
-          </a:bodyPr>
-          <a:lstStyle/>
-          <a:p>
-            <a:r>
-              <a:rPr lang="es-ES" sz="1200" dirty="0"/>
-              <a:t>Aplicación móvil:</a:t>
-            </a:r>
-          </a:p>
-          <a:p>
-            <a:pPr marL="171450" indent="-171450">
-              <a:buFontTx/>
-              <a:buChar char="-"/>
-            </a:pPr>
-            <a:r>
-              <a:rPr lang="es-ES" sz="1200" dirty="0"/>
-              <a:t>Android Studio</a:t>
-            </a:r>
-          </a:p>
-          <a:p>
-            <a:pPr marL="171450" indent="-171450">
-              <a:buFontTx/>
-              <a:buChar char="-"/>
-            </a:pPr>
-            <a:r>
-              <a:rPr lang="es-ES" sz="1200" dirty="0"/>
-              <a:t>Java</a:t>
-            </a:r>
-          </a:p>
-          <a:p>
-            <a:endParaRPr lang="es-ES" dirty="0"/>
-          </a:p>
-        </p:txBody>
-      </p:sp>
-      <p:pic>
-        <p:nvPicPr>
-          <p:cNvPr id="1036" name="Picture 12" descr="Ftp - Iconos gratis de flechas">
-            <a:extLst>
-              <a:ext uri="{FF2B5EF4-FFF2-40B4-BE49-F238E27FC236}">
-                <a16:creationId xmlns:a16="http://schemas.microsoft.com/office/drawing/2014/main" id="{6F1B7741-FEA9-4C1F-9F44-46C627872E24}"/>
-              </a:ext>
-            </a:extLst>
-          </p:cNvPr>
-          <p:cNvPicPr>
-            <a:picLocks noChangeAspect="1" noChangeArrowheads="1"/>
-          </p:cNvPicPr>
-          <p:nvPr/>
-        </p:nvPicPr>
-        <p:blipFill>
-          <a:blip r:embed="rId7">
-            <a:extLst>
-              <a:ext uri="{28A0092B-C50C-407E-A947-70E740481C1C}">
-                <a14:useLocalDpi xmlns:a14="http://schemas.microsoft.com/office/drawing/2010/main" val="0"/>
-              </a:ext>
-            </a:extLst>
-          </a:blip>
-          <a:srcRect/>
-          <a:stretch>
-            <a:fillRect/>
-          </a:stretch>
-        </p:blipFill>
-        <p:spPr bwMode="auto">
-          <a:xfrm>
-            <a:off x="5951522" y="4114358"/>
-            <a:ext cx="984997" cy="984997"/>
-          </a:xfrm>
-          <a:prstGeom prst="rect">
-            <a:avLst/>
-          </a:prstGeom>
-          <a:noFill/>
-          <a:extLst>
-            <a:ext uri="{909E8E84-426E-40DD-AFC4-6F175D3DCCD1}">
-              <a14:hiddenFill xmlns:a14="http://schemas.microsoft.com/office/drawing/2010/main">
-                <a:solidFill>
-                  <a:srgbClr val="FFFFFF"/>
-                </a:solidFill>
-              </a14:hiddenFill>
-            </a:ext>
-          </a:extLst>
-        </p:spPr>
-      </p:pic>
-      <p:sp>
-        <p:nvSpPr>
-          <p:cNvPr id="20" name="CuadroTexto 19">
-            <a:extLst>
-              <a:ext uri="{FF2B5EF4-FFF2-40B4-BE49-F238E27FC236}">
-                <a16:creationId xmlns:a16="http://schemas.microsoft.com/office/drawing/2014/main" id="{4B873321-5069-46AC-BB55-AB5647812D40}"/>
-              </a:ext>
-            </a:extLst>
-          </p:cNvPr>
-          <p:cNvSpPr txBox="1"/>
-          <p:nvPr/>
-        </p:nvSpPr>
-        <p:spPr>
-          <a:xfrm>
-            <a:off x="6997754" y="4339561"/>
-            <a:ext cx="1744406" cy="553998"/>
-          </a:xfrm>
-          <a:prstGeom prst="rect">
-            <a:avLst/>
-          </a:prstGeom>
-          <a:noFill/>
-        </p:spPr>
-        <p:txBody>
-          <a:bodyPr wrap="square" rtlCol="0">
-            <a:spAutoFit/>
-          </a:bodyPr>
-          <a:lstStyle/>
-          <a:p>
-            <a:r>
-              <a:rPr lang="es-ES" sz="1200" dirty="0"/>
-              <a:t>FTP mediante sockets</a:t>
-            </a:r>
-          </a:p>
-          <a:p>
-            <a:endParaRPr lang="es-ES" dirty="0"/>
-          </a:p>
-        </p:txBody>
-      </p:sp>
-      <p:sp>
-        <p:nvSpPr>
-          <p:cNvPr id="21" name="CuadroTexto 20">
-            <a:extLst>
-              <a:ext uri="{FF2B5EF4-FFF2-40B4-BE49-F238E27FC236}">
-                <a16:creationId xmlns:a16="http://schemas.microsoft.com/office/drawing/2014/main" id="{42FC2EAA-F208-424D-8AEE-5117CC9B54D3}"/>
-              </a:ext>
-            </a:extLst>
-          </p:cNvPr>
-          <p:cNvSpPr txBox="1"/>
-          <p:nvPr/>
-        </p:nvSpPr>
-        <p:spPr>
-          <a:xfrm>
-            <a:off x="2606644" y="2582437"/>
-            <a:ext cx="773297" cy="553998"/>
-          </a:xfrm>
-          <a:prstGeom prst="rect">
-            <a:avLst/>
-          </a:prstGeom>
-          <a:noFill/>
-        </p:spPr>
-        <p:txBody>
-          <a:bodyPr wrap="square" rtlCol="0">
-            <a:spAutoFit/>
-          </a:bodyPr>
-          <a:lstStyle/>
-          <a:p>
-            <a:r>
-              <a:rPr lang="es-ES" sz="1200" dirty="0"/>
-              <a:t>Servidor</a:t>
-            </a:r>
-          </a:p>
-          <a:p>
-            <a:endParaRPr lang="es-ES" dirty="0"/>
-          </a:p>
-        </p:txBody>
-      </p:sp>
-      <p:sp>
-        <p:nvSpPr>
-          <p:cNvPr id="22" name="CuadroTexto 21">
-            <a:extLst>
-              <a:ext uri="{FF2B5EF4-FFF2-40B4-BE49-F238E27FC236}">
-                <a16:creationId xmlns:a16="http://schemas.microsoft.com/office/drawing/2014/main" id="{6804BE97-B1AF-4217-8D47-E226013052F1}"/>
-              </a:ext>
-            </a:extLst>
-          </p:cNvPr>
-          <p:cNvSpPr txBox="1"/>
-          <p:nvPr/>
-        </p:nvSpPr>
-        <p:spPr>
-          <a:xfrm>
-            <a:off x="9087026" y="2305438"/>
-            <a:ext cx="773297" cy="553998"/>
-          </a:xfrm>
-          <a:prstGeom prst="rect">
-            <a:avLst/>
-          </a:prstGeom>
-          <a:noFill/>
-        </p:spPr>
-        <p:txBody>
-          <a:bodyPr wrap="square" rtlCol="0">
-            <a:spAutoFit/>
-          </a:bodyPr>
-          <a:lstStyle/>
-          <a:p>
-            <a:r>
-              <a:rPr lang="es-ES" sz="1200" dirty="0"/>
-              <a:t>Cliente</a:t>
-            </a:r>
-          </a:p>
-          <a:p>
-            <a:endParaRPr lang="es-ES" dirty="0"/>
-          </a:p>
-        </p:txBody>
-      </p:sp>
     </p:spTree>
     <p:extLst>
       <p:ext uri="{BB962C8B-B14F-4D97-AF65-F5344CB8AC3E}">
-        <p14:creationId xmlns:p14="http://schemas.microsoft.com/office/powerpoint/2010/main" val="3884791674"/>
+        <p14:creationId xmlns:p14="http://schemas.microsoft.com/office/powerpoint/2010/main" val="2015347190"/>
       </p:ext>
     </p:extLst>
   </p:cSld>
@@ -8787,7 +8137,7 @@
           <p:cNvPr id="4" name="Título 1">
             <a:extLst>
               <a:ext uri="{FF2B5EF4-FFF2-40B4-BE49-F238E27FC236}">
-                <a16:creationId xmlns:a16="http://schemas.microsoft.com/office/drawing/2014/main" id="{AD0CC542-8BB8-4C2B-9BF4-824912EC7C05}"/>
+                <a16:creationId xmlns:a16="http://schemas.microsoft.com/office/drawing/2014/main" id="{52DF1A3E-D358-41CF-BC5C-39BE4CF5D3D2}"/>
               </a:ext>
             </a:extLst>
           </p:cNvPr>
@@ -8800,8 +8150,8 @@
         </p:nvSpPr>
         <p:spPr>
           <a:xfrm>
-            <a:off x="538996" y="921811"/>
-            <a:ext cx="9613900" cy="1081088"/>
+            <a:off x="662566" y="966292"/>
+            <a:ext cx="9613861" cy="1080938"/>
           </a:xfrm>
         </p:spPr>
         <p:txBody>
@@ -8818,7 +8168,7 @@
                 <a:latin typeface="Calibri Light" panose="020F0302020204030204" pitchFamily="34" charset="0"/>
                 <a:cs typeface="Times New Roman" panose="02020603050405020304" pitchFamily="18" charset="0"/>
               </a:rPr>
-              <a:t>¿Cómo funciona un combate Pokémon</a:t>
+              <a:t>¿Que </a:t>
             </a:r>
             <a:r>
               <a:rPr lang="es-ES" dirty="0">
@@ -8829,7 +8179,7 @@
                 <a:ea typeface="Times New Roman" panose="02020603050405020304" pitchFamily="18" charset="0"/>
                 <a:cs typeface="Times New Roman" panose="02020603050405020304" pitchFamily="18" charset="0"/>
               </a:rPr>
-              <a:t>?</a:t>
+              <a:t>es un Pokémon?</a:t>
             </a:r>
             <a:br>
               <a:rPr lang="es-ES" sz="3600" dirty="0">
@@ -8848,10 +8198,10 @@
       </p:sp>
       <p:pic>
         <p:nvPicPr>
-          <p:cNvPr id="3074" name="Picture 2" descr="Retroanálisis] Pokémon Esmeralda - Nintenderos - Nintendo Switch, Switch  Lite y 3DS">
+          <p:cNvPr id="2050" name="Picture 2" descr="Pokemon Pikachu PNG transparente - StickPNG">
             <a:extLst>
               <a:ext uri="{FF2B5EF4-FFF2-40B4-BE49-F238E27FC236}">
-                <a16:creationId xmlns:a16="http://schemas.microsoft.com/office/drawing/2014/main" id="{EA465992-C680-4C5C-B387-0C76BD9AD793}"/>
+                <a16:creationId xmlns:a16="http://schemas.microsoft.com/office/drawing/2014/main" id="{8371AF4B-0956-48AD-8FE9-CFCE4B622EEF}"/>
               </a:ext>
             </a:extLst>
           </p:cNvPr>
@@ -8875,8 +8225,8 @@
         </p:blipFill>
         <p:spPr bwMode="auto">
           <a:xfrm>
-            <a:off x="4484333" y="3012325"/>
-            <a:ext cx="3223334" cy="2148889"/>
+            <a:off x="568911" y="2911842"/>
+            <a:ext cx="2648504" cy="2648504"/>
           </a:xfrm>
           <a:prstGeom prst="rect">
             <a:avLst/>
@@ -8895,10 +8245,10 @@
       </p:pic>
       <p:sp>
         <p:nvSpPr>
-          <p:cNvPr id="5" name="CuadroTexto 4">
+          <p:cNvPr id="6" name="CuadroTexto 5">
             <a:extLst>
               <a:ext uri="{FF2B5EF4-FFF2-40B4-BE49-F238E27FC236}">
-                <a16:creationId xmlns:a16="http://schemas.microsoft.com/office/drawing/2014/main" id="{E6CCA0D2-19D0-44E9-9FA1-633AD2CCFC77}"/>
+                <a16:creationId xmlns:a16="http://schemas.microsoft.com/office/drawing/2014/main" id="{5F73F674-D649-43EB-B7A6-B5B7D8AA507E}"/>
               </a:ext>
             </a:extLst>
           </p:cNvPr>
@@ -8907,8 +8257,8 @@
         </p:nvSpPr>
         <p:spPr>
           <a:xfrm>
-            <a:off x="5672830" y="2571972"/>
-            <a:ext cx="1003177" cy="369332"/>
+            <a:off x="5733494" y="3030039"/>
+            <a:ext cx="1133383" cy="369332"/>
           </a:xfrm>
           <a:prstGeom prst="rect">
             <a:avLst/>
@@ -8923,107 +8273,285 @@
           <a:p>
             <a:r>
               <a:rPr lang="es-ES" dirty="0"/>
-              <a:t>6 vs 6</a:t>
-            </a:r>
-          </a:p>
-        </p:txBody>
-      </p:sp>
-      <p:pic>
-        <p:nvPicPr>
-          <p:cNvPr id="3076" name="Picture 4" descr="Estrategia Pikachu competitiva | •Pokémon• En Español Amino">
+              <a:t>Ataques</a:t>
+            </a:r>
+          </a:p>
+        </p:txBody>
+      </p:sp>
+      <p:sp>
+        <p:nvSpPr>
+          <p:cNvPr id="8" name="CuadroTexto 7">
             <a:extLst>
               <a:ext uri="{FF2B5EF4-FFF2-40B4-BE49-F238E27FC236}">
-                <a16:creationId xmlns:a16="http://schemas.microsoft.com/office/drawing/2014/main" id="{9963BDA6-9731-488F-90E0-DCECC179FDC2}"/>
+                <a16:creationId xmlns:a16="http://schemas.microsoft.com/office/drawing/2014/main" id="{13714F85-8E1F-4BDA-9582-9940250F06A7}"/>
               </a:ext>
             </a:extLst>
           </p:cNvPr>
-          <p:cNvPicPr>
-            <a:picLocks noChangeAspect="1" noChangeArrowheads="1"/>
-          </p:cNvPicPr>
-          <p:nvPr/>
-        </p:nvPicPr>
-        <p:blipFill rotWithShape="1">
-          <a:blip r:embed="rId3">
-            <a:extLst>
-              <a:ext uri="{28A0092B-C50C-407E-A947-70E740481C1C}">
-                <a14:useLocalDpi xmlns:a14="http://schemas.microsoft.com/office/drawing/2010/main" val="0"/>
-              </a:ext>
-            </a:extLst>
-          </a:blip>
-          <a:srcRect l="3402" t="24663" r="5993" b="25306"/>
-          <a:stretch/>
-        </p:blipFill>
-        <p:spPr bwMode="auto">
-          <a:xfrm>
-            <a:off x="538996" y="3263940"/>
-            <a:ext cx="3264514" cy="1201774"/>
+          <p:cNvSpPr txBox="1"/>
+          <p:nvPr/>
+        </p:nvSpPr>
+        <p:spPr>
+          <a:xfrm>
+            <a:off x="5777883" y="4045690"/>
+            <a:ext cx="1133383" cy="369332"/>
           </a:xfrm>
           <a:prstGeom prst="rect">
             <a:avLst/>
           </a:prstGeom>
           <a:noFill/>
-          <a:extLst>
-            <a:ext uri="{909E8E84-426E-40DD-AFC4-6F175D3DCCD1}">
-              <a14:hiddenFill xmlns:a14="http://schemas.microsoft.com/office/drawing/2010/main">
-                <a:solidFill>
-                  <a:srgbClr val="FFFFFF"/>
-                </a:solidFill>
-              </a14:hiddenFill>
-            </a:ext>
-          </a:extLst>
-        </p:spPr>
-      </p:pic>
-      <p:pic>
-        <p:nvPicPr>
-          <p:cNvPr id="3078" name="Picture 6" descr="Tipos elementales | WikiDex | Fandom">
+        </p:spPr>
+        <p:txBody>
+          <a:bodyPr wrap="square" rtlCol="0">
+            <a:spAutoFit/>
+          </a:bodyPr>
+          <a:lstStyle/>
+          <a:p>
+            <a:r>
+              <a:rPr lang="es-ES" dirty="0"/>
+              <a:t>Objetos</a:t>
+            </a:r>
+          </a:p>
+        </p:txBody>
+      </p:sp>
+      <p:sp>
+        <p:nvSpPr>
+          <p:cNvPr id="9" name="CuadroTexto 8">
             <a:extLst>
               <a:ext uri="{FF2B5EF4-FFF2-40B4-BE49-F238E27FC236}">
-                <a16:creationId xmlns:a16="http://schemas.microsoft.com/office/drawing/2014/main" id="{F550DE5A-1277-4E9A-A48F-1153F5F1026D}"/>
+                <a16:creationId xmlns:a16="http://schemas.microsoft.com/office/drawing/2014/main" id="{07512C66-31C1-4A1C-AFA9-734A5B3C6FC0}"/>
               </a:ext>
             </a:extLst>
           </p:cNvPr>
-          <p:cNvPicPr>
-            <a:picLocks noChangeAspect="1" noChangeArrowheads="1"/>
-          </p:cNvPicPr>
-          <p:nvPr/>
-        </p:nvPicPr>
-        <p:blipFill>
-          <a:blip r:embed="rId4">
+          <p:cNvSpPr txBox="1"/>
+          <p:nvPr/>
+        </p:nvSpPr>
+        <p:spPr>
+          <a:xfrm>
+            <a:off x="5723137" y="5032276"/>
+            <a:ext cx="1970845" cy="369332"/>
+          </a:xfrm>
+          <a:prstGeom prst="rect">
+            <a:avLst/>
+          </a:prstGeom>
+          <a:noFill/>
+        </p:spPr>
+        <p:txBody>
+          <a:bodyPr wrap="square" rtlCol="0">
+            <a:spAutoFit/>
+          </a:bodyPr>
+          <a:lstStyle/>
+          <a:p>
+            <a:r>
+              <a:rPr lang="es-ES" dirty="0"/>
+              <a:t>Cambiarlo</a:t>
+            </a:r>
+          </a:p>
+        </p:txBody>
+      </p:sp>
+      <p:sp>
+        <p:nvSpPr>
+          <p:cNvPr id="7" name="Flecha: a la derecha 6">
             <a:extLst>
-              <a:ext uri="{28A0092B-C50C-407E-A947-70E740481C1C}">
-                <a14:useLocalDpi xmlns:a14="http://schemas.microsoft.com/office/drawing/2010/main" val="0"/>
+              <a:ext uri="{FF2B5EF4-FFF2-40B4-BE49-F238E27FC236}">
+                <a16:creationId xmlns:a16="http://schemas.microsoft.com/office/drawing/2014/main" id="{AE3EC363-3237-48BF-B17D-4B73FA1A2F69}"/>
               </a:ext>
             </a:extLst>
-          </a:blip>
-          <a:srcRect/>
-          <a:stretch>
-            <a:fillRect/>
-          </a:stretch>
-        </p:blipFill>
-        <p:spPr bwMode="auto">
-          <a:xfrm>
-            <a:off x="8741347" y="2818386"/>
-            <a:ext cx="2823098" cy="2778640"/>
+          </p:cNvPr>
+          <p:cNvSpPr/>
+          <p:nvPr/>
+        </p:nvSpPr>
+        <p:spPr>
+          <a:xfrm rot="20575410">
+            <a:off x="3461765" y="3429863"/>
+            <a:ext cx="2095130" cy="246355"/>
+          </a:xfrm>
+          <a:prstGeom prst="rightArrow">
+            <a:avLst>
+              <a:gd name="adj1" fmla="val 50000"/>
+              <a:gd name="adj2" fmla="val 165315"/>
+            </a:avLst>
+          </a:prstGeom>
+        </p:spPr>
+        <p:style>
+          <a:lnRef idx="2">
+            <a:schemeClr val="accent1">
+              <a:shade val="50000"/>
+            </a:schemeClr>
+          </a:lnRef>
+          <a:fillRef idx="1">
+            <a:schemeClr val="accent1"/>
+          </a:fillRef>
+          <a:effectRef idx="0">
+            <a:schemeClr val="accent1"/>
+          </a:effectRef>
+          <a:fontRef idx="minor">
+            <a:schemeClr val="lt1"/>
+          </a:fontRef>
+        </p:style>
+        <p:txBody>
+          <a:bodyPr rtlCol="0" anchor="ctr"/>
+          <a:lstStyle/>
+          <a:p>
+            <a:pPr algn="ctr"/>
+            <a:endParaRPr lang="es-ES"/>
+          </a:p>
+        </p:txBody>
+      </p:sp>
+      <p:sp>
+        <p:nvSpPr>
+          <p:cNvPr id="11" name="Flecha: a la derecha 10">
+            <a:extLst>
+              <a:ext uri="{FF2B5EF4-FFF2-40B4-BE49-F238E27FC236}">
+                <a16:creationId xmlns:a16="http://schemas.microsoft.com/office/drawing/2014/main" id="{09E25A6B-6227-449C-80B3-30079FC982C3}"/>
+              </a:ext>
+            </a:extLst>
+          </p:cNvPr>
+          <p:cNvSpPr/>
+          <p:nvPr/>
+        </p:nvSpPr>
+        <p:spPr>
+          <a:xfrm>
+            <a:off x="3568823" y="4104039"/>
+            <a:ext cx="2095130" cy="246355"/>
+          </a:xfrm>
+          <a:prstGeom prst="rightArrow">
+            <a:avLst>
+              <a:gd name="adj1" fmla="val 50000"/>
+              <a:gd name="adj2" fmla="val 165315"/>
+            </a:avLst>
+          </a:prstGeom>
+        </p:spPr>
+        <p:style>
+          <a:lnRef idx="2">
+            <a:schemeClr val="accent1">
+              <a:shade val="50000"/>
+            </a:schemeClr>
+          </a:lnRef>
+          <a:fillRef idx="1">
+            <a:schemeClr val="accent1"/>
+          </a:fillRef>
+          <a:effectRef idx="0">
+            <a:schemeClr val="accent1"/>
+          </a:effectRef>
+          <a:fontRef idx="minor">
+            <a:schemeClr val="lt1"/>
+          </a:fontRef>
+        </p:style>
+        <p:txBody>
+          <a:bodyPr rtlCol="0" anchor="ctr"/>
+          <a:lstStyle/>
+          <a:p>
+            <a:pPr algn="ctr"/>
+            <a:endParaRPr lang="es-ES"/>
+          </a:p>
+        </p:txBody>
+      </p:sp>
+      <p:sp>
+        <p:nvSpPr>
+          <p:cNvPr id="12" name="Flecha: a la derecha 11">
+            <a:extLst>
+              <a:ext uri="{FF2B5EF4-FFF2-40B4-BE49-F238E27FC236}">
+                <a16:creationId xmlns:a16="http://schemas.microsoft.com/office/drawing/2014/main" id="{66FB9BD1-E374-49F4-B1E3-D538B2C1DEAF}"/>
+              </a:ext>
+            </a:extLst>
+          </p:cNvPr>
+          <p:cNvSpPr/>
+          <p:nvPr/>
+        </p:nvSpPr>
+        <p:spPr>
+          <a:xfrm rot="1055753">
+            <a:off x="3463529" y="4762418"/>
+            <a:ext cx="2095130" cy="246355"/>
+          </a:xfrm>
+          <a:prstGeom prst="rightArrow">
+            <a:avLst>
+              <a:gd name="adj1" fmla="val 50000"/>
+              <a:gd name="adj2" fmla="val 165315"/>
+            </a:avLst>
+          </a:prstGeom>
+        </p:spPr>
+        <p:style>
+          <a:lnRef idx="2">
+            <a:schemeClr val="accent1">
+              <a:shade val="50000"/>
+            </a:schemeClr>
+          </a:lnRef>
+          <a:fillRef idx="1">
+            <a:schemeClr val="accent1"/>
+          </a:fillRef>
+          <a:effectRef idx="0">
+            <a:schemeClr val="accent1"/>
+          </a:effectRef>
+          <a:fontRef idx="minor">
+            <a:schemeClr val="lt1"/>
+          </a:fontRef>
+        </p:style>
+        <p:txBody>
+          <a:bodyPr rtlCol="0" anchor="ctr"/>
+          <a:lstStyle/>
+          <a:p>
+            <a:pPr algn="ctr"/>
+            <a:endParaRPr lang="es-ES"/>
+          </a:p>
+        </p:txBody>
+      </p:sp>
+      <p:sp>
+        <p:nvSpPr>
+          <p:cNvPr id="10" name="CuadroTexto 9">
+            <a:extLst>
+              <a:ext uri="{FF2B5EF4-FFF2-40B4-BE49-F238E27FC236}">
+                <a16:creationId xmlns:a16="http://schemas.microsoft.com/office/drawing/2014/main" id="{FE950C0B-8CE2-4D4B-B91C-9D0DD3B15C79}"/>
+              </a:ext>
+            </a:extLst>
+          </p:cNvPr>
+          <p:cNvSpPr txBox="1"/>
+          <p:nvPr/>
+        </p:nvSpPr>
+        <p:spPr>
+          <a:xfrm>
+            <a:off x="8300621" y="3054728"/>
+            <a:ext cx="3151573" cy="1200329"/>
           </a:xfrm>
           <a:prstGeom prst="rect">
             <a:avLst/>
           </a:prstGeom>
           <a:noFill/>
-          <a:extLst>
-            <a:ext uri="{909E8E84-426E-40DD-AFC4-6F175D3DCCD1}">
-              <a14:hiddenFill xmlns:a14="http://schemas.microsoft.com/office/drawing/2010/main">
-                <a:solidFill>
-                  <a:srgbClr val="FFFFFF"/>
-                </a:solidFill>
-              </a14:hiddenFill>
-            </a:ext>
-          </a:extLst>
-        </p:spPr>
-      </p:pic>
+        </p:spPr>
+        <p:txBody>
+          <a:bodyPr wrap="square" rtlCol="0">
+            <a:spAutoFit/>
+          </a:bodyPr>
+          <a:lstStyle/>
+          <a:p>
+            <a:r>
+              <a:rPr lang="es-ES" dirty="0"/>
+              <a:t>En mi aplicación hay:</a:t>
+            </a:r>
+          </a:p>
+          <a:p>
+            <a:r>
+              <a:rPr lang="es-ES" dirty="0"/>
+              <a:t> - 493 Pokémon distintos.</a:t>
+            </a:r>
+          </a:p>
+          <a:p>
+            <a:r>
+              <a:rPr lang="es-ES" dirty="0"/>
+              <a:t> - 65 Objetos.</a:t>
+            </a:r>
+          </a:p>
+          <a:p>
+            <a:r>
+              <a:rPr lang="es-ES" dirty="0"/>
+              <a:t> - 328 Ataques.</a:t>
+            </a:r>
+          </a:p>
+        </p:txBody>
+      </p:sp>
     </p:spTree>
     <p:extLst>
       <p:ext uri="{BB962C8B-B14F-4D97-AF65-F5344CB8AC3E}">
-        <p14:creationId xmlns:p14="http://schemas.microsoft.com/office/powerpoint/2010/main" val="2015347190"/>
+        <p14:creationId xmlns:p14="http://schemas.microsoft.com/office/powerpoint/2010/main" val="2131366217"/>
       </p:ext>
     </p:extLst>
   </p:cSld>
@@ -9052,10 +8580,10 @@
       </p:grpSpPr>
       <p:sp>
         <p:nvSpPr>
-          <p:cNvPr id="4" name="Título 1">
+          <p:cNvPr id="2" name="Título 1">
             <a:extLst>
               <a:ext uri="{FF2B5EF4-FFF2-40B4-BE49-F238E27FC236}">
-                <a16:creationId xmlns:a16="http://schemas.microsoft.com/office/drawing/2014/main" id="{52DF1A3E-D358-41CF-BC5C-39BE4CF5D3D2}"/>
+                <a16:creationId xmlns:a16="http://schemas.microsoft.com/office/drawing/2014/main" id="{CF5F788F-539F-4501-98DD-91CEC007ACD3}"/>
               </a:ext>
             </a:extLst>
           </p:cNvPr>
@@ -9078,16 +8606,6 @@
           </a:bodyPr>
           <a:lstStyle/>
           <a:p>
-            <a:r>
-              <a:rPr lang="es-ES" dirty="0">
-                <a:solidFill>
-                  <a:srgbClr val="FF0000"/>
-                </a:solidFill>
-                <a:latin typeface="Calibri Light" panose="020F0302020204030204" pitchFamily="34" charset="0"/>
-                <a:cs typeface="Times New Roman" panose="02020603050405020304" pitchFamily="18" charset="0"/>
-              </a:rPr>
-              <a:t>¿Que </a:t>
-            </a:r>
             <a:r>
               <a:rPr lang="es-ES" dirty="0">
                 <a:solidFill>
@@ -9097,7 +8615,7 @@
                 <a:ea typeface="Times New Roman" panose="02020603050405020304" pitchFamily="18" charset="0"/>
                 <a:cs typeface="Times New Roman" panose="02020603050405020304" pitchFamily="18" charset="0"/>
               </a:rPr>
-              <a:t>es un Pokémon?</a:t>
+              <a:t>Descripción general del proyecto.</a:t>
             </a:r>
             <a:br>
               <a:rPr lang="es-ES" sz="3600" dirty="0">
@@ -9116,10 +8634,10 @@
       </p:sp>
       <p:pic>
         <p:nvPicPr>
-          <p:cNvPr id="2050" name="Picture 2" descr="Pokemon Pikachu PNG transparente - StickPNG">
+          <p:cNvPr id="1026" name="Picture 2" descr="Base de datos - Iconos gratis de tecnología">
             <a:extLst>
               <a:ext uri="{FF2B5EF4-FFF2-40B4-BE49-F238E27FC236}">
-                <a16:creationId xmlns:a16="http://schemas.microsoft.com/office/drawing/2014/main" id="{8371AF4B-0956-48AD-8FE9-CFCE4B622EEF}"/>
+                <a16:creationId xmlns:a16="http://schemas.microsoft.com/office/drawing/2014/main" id="{E80C97CB-10BE-4C3F-81F7-918A13816267}"/>
               </a:ext>
             </a:extLst>
           </p:cNvPr>
@@ -9143,8 +8661,8 @@
         </p:blipFill>
         <p:spPr bwMode="auto">
           <a:xfrm>
-            <a:off x="568911" y="2911842"/>
-            <a:ext cx="2648504" cy="2648504"/>
+            <a:off x="2645547" y="5721103"/>
+            <a:ext cx="611818" cy="611818"/>
           </a:xfrm>
           <a:prstGeom prst="rect">
             <a:avLst/>
@@ -9161,117 +8679,200 @@
           </a:extLst>
         </p:spPr>
       </p:pic>
-      <p:sp>
-        <p:nvSpPr>
-          <p:cNvPr id="6" name="CuadroTexto 5">
+      <p:pic>
+        <p:nvPicPr>
+          <p:cNvPr id="1028" name="Picture 4" descr="Icono Pantalla, escritorio, pc, ordenador Gratis de Office">
             <a:extLst>
               <a:ext uri="{FF2B5EF4-FFF2-40B4-BE49-F238E27FC236}">
-                <a16:creationId xmlns:a16="http://schemas.microsoft.com/office/drawing/2014/main" id="{5F73F674-D649-43EB-B7A6-B5B7D8AA507E}"/>
+                <a16:creationId xmlns:a16="http://schemas.microsoft.com/office/drawing/2014/main" id="{5B82540E-5912-46A6-A944-C0A7EF1444E2}"/>
               </a:ext>
             </a:extLst>
           </p:cNvPr>
-          <p:cNvSpPr txBox="1"/>
-          <p:nvPr/>
-        </p:nvSpPr>
-        <p:spPr>
-          <a:xfrm>
-            <a:off x="5733494" y="3030039"/>
-            <a:ext cx="1133383" cy="369332"/>
+          <p:cNvPicPr>
+            <a:picLocks noChangeAspect="1" noChangeArrowheads="1"/>
+          </p:cNvPicPr>
+          <p:nvPr/>
+        </p:nvPicPr>
+        <p:blipFill>
+          <a:blip r:embed="rId3">
+            <a:extLst>
+              <a:ext uri="{28A0092B-C50C-407E-A947-70E740481C1C}">
+                <a14:useLocalDpi xmlns:a14="http://schemas.microsoft.com/office/drawing/2010/main" val="0"/>
+              </a:ext>
+            </a:extLst>
+          </a:blip>
+          <a:srcRect/>
+          <a:stretch>
+            <a:fillRect/>
+          </a:stretch>
+        </p:blipFill>
+        <p:spPr bwMode="auto">
+          <a:xfrm>
+            <a:off x="1983791" y="2633367"/>
+            <a:ext cx="1985082" cy="1985082"/>
           </a:xfrm>
           <a:prstGeom prst="rect">
             <a:avLst/>
           </a:prstGeom>
           <a:noFill/>
-        </p:spPr>
-        <p:txBody>
-          <a:bodyPr wrap="square" rtlCol="0">
-            <a:spAutoFit/>
-          </a:bodyPr>
-          <a:lstStyle/>
-          <a:p>
-            <a:r>
-              <a:rPr lang="es-ES" dirty="0"/>
-              <a:t>Ataques</a:t>
-            </a:r>
-          </a:p>
-        </p:txBody>
-      </p:sp>
-      <p:sp>
-        <p:nvSpPr>
-          <p:cNvPr id="8" name="CuadroTexto 7">
+          <a:extLst>
+            <a:ext uri="{909E8E84-426E-40DD-AFC4-6F175D3DCCD1}">
+              <a14:hiddenFill xmlns:a14="http://schemas.microsoft.com/office/drawing/2010/main">
+                <a:solidFill>
+                  <a:srgbClr val="FFFFFF"/>
+                </a:solidFill>
+              </a14:hiddenFill>
+            </a:ext>
+          </a:extLst>
+        </p:spPr>
+      </p:pic>
+      <p:pic>
+        <p:nvPicPr>
+          <p:cNvPr id="1030" name="Picture 6" descr="Contacto - Sección Sindical de la CSC en Ayesa AT">
             <a:extLst>
               <a:ext uri="{FF2B5EF4-FFF2-40B4-BE49-F238E27FC236}">
-                <a16:creationId xmlns:a16="http://schemas.microsoft.com/office/drawing/2014/main" id="{13714F85-8E1F-4BDA-9582-9940250F06A7}"/>
+                <a16:creationId xmlns:a16="http://schemas.microsoft.com/office/drawing/2014/main" id="{1B0966D6-C5DA-4370-83EC-E38D0D87A395}"/>
               </a:ext>
             </a:extLst>
           </p:cNvPr>
-          <p:cNvSpPr txBox="1"/>
-          <p:nvPr/>
-        </p:nvSpPr>
-        <p:spPr>
-          <a:xfrm>
-            <a:off x="5777883" y="4045690"/>
-            <a:ext cx="1133383" cy="369332"/>
+          <p:cNvPicPr>
+            <a:picLocks noChangeAspect="1" noChangeArrowheads="1"/>
+          </p:cNvPicPr>
+          <p:nvPr/>
+        </p:nvPicPr>
+        <p:blipFill>
+          <a:blip r:embed="rId4">
+            <a:extLst>
+              <a:ext uri="{28A0092B-C50C-407E-A947-70E740481C1C}">
+                <a14:useLocalDpi xmlns:a14="http://schemas.microsoft.com/office/drawing/2010/main" val="0"/>
+              </a:ext>
+            </a:extLst>
+          </a:blip>
+          <a:srcRect/>
+          <a:stretch>
+            <a:fillRect/>
+          </a:stretch>
+        </p:blipFill>
+        <p:spPr bwMode="auto">
+          <a:xfrm>
+            <a:off x="8361277" y="2313275"/>
+            <a:ext cx="2231449" cy="2231449"/>
           </a:xfrm>
           <a:prstGeom prst="rect">
             <a:avLst/>
           </a:prstGeom>
           <a:noFill/>
-        </p:spPr>
-        <p:txBody>
-          <a:bodyPr wrap="square" rtlCol="0">
-            <a:spAutoFit/>
-          </a:bodyPr>
-          <a:lstStyle/>
-          <a:p>
-            <a:r>
-              <a:rPr lang="es-ES" dirty="0"/>
-              <a:t>Objetos</a:t>
-            </a:r>
-          </a:p>
-        </p:txBody>
-      </p:sp>
-      <p:sp>
-        <p:nvSpPr>
-          <p:cNvPr id="9" name="CuadroTexto 8">
+          <a:extLst>
+            <a:ext uri="{909E8E84-426E-40DD-AFC4-6F175D3DCCD1}">
+              <a14:hiddenFill xmlns:a14="http://schemas.microsoft.com/office/drawing/2010/main">
+                <a:solidFill>
+                  <a:srgbClr val="FFFFFF"/>
+                </a:solidFill>
+              </a14:hiddenFill>
+            </a:ext>
+          </a:extLst>
+        </p:spPr>
+      </p:pic>
+      <p:pic>
+        <p:nvPicPr>
+          <p:cNvPr id="7" name="Picture 2" descr="Base de datos - Iconos gratis de tecnología">
             <a:extLst>
               <a:ext uri="{FF2B5EF4-FFF2-40B4-BE49-F238E27FC236}">
-                <a16:creationId xmlns:a16="http://schemas.microsoft.com/office/drawing/2014/main" id="{07512C66-31C1-4A1C-AFA9-734A5B3C6FC0}"/>
+                <a16:creationId xmlns:a16="http://schemas.microsoft.com/office/drawing/2014/main" id="{B1BBCDAF-501C-4820-B6DC-4452731C0564}"/>
               </a:ext>
             </a:extLst>
           </p:cNvPr>
-          <p:cNvSpPr txBox="1"/>
-          <p:nvPr/>
-        </p:nvSpPr>
-        <p:spPr>
-          <a:xfrm>
-            <a:off x="5723137" y="5032276"/>
-            <a:ext cx="1970845" cy="369332"/>
+          <p:cNvPicPr>
+            <a:picLocks noChangeAspect="1" noChangeArrowheads="1"/>
+          </p:cNvPicPr>
+          <p:nvPr/>
+        </p:nvPicPr>
+        <p:blipFill>
+          <a:blip r:embed="rId2">
+            <a:extLst>
+              <a:ext uri="{28A0092B-C50C-407E-A947-70E740481C1C}">
+                <a14:useLocalDpi xmlns:a14="http://schemas.microsoft.com/office/drawing/2010/main" val="0"/>
+              </a:ext>
+            </a:extLst>
+          </a:blip>
+          <a:srcRect/>
+          <a:stretch>
+            <a:fillRect/>
+          </a:stretch>
+        </p:blipFill>
+        <p:spPr bwMode="auto">
+          <a:xfrm>
+            <a:off x="9167766" y="5721103"/>
+            <a:ext cx="611818" cy="611818"/>
           </a:xfrm>
           <a:prstGeom prst="rect">
             <a:avLst/>
           </a:prstGeom>
           <a:noFill/>
-        </p:spPr>
-        <p:txBody>
-          <a:bodyPr wrap="square" rtlCol="0">
-            <a:spAutoFit/>
-          </a:bodyPr>
-          <a:lstStyle/>
-          <a:p>
-            <a:r>
-              <a:rPr lang="es-ES" dirty="0"/>
-              <a:t>Cambiarlo</a:t>
-            </a:r>
-          </a:p>
-        </p:txBody>
-      </p:sp>
-      <p:sp>
-        <p:nvSpPr>
-          <p:cNvPr id="7" name="Flecha: a la derecha 6">
+          <a:extLst>
+            <a:ext uri="{909E8E84-426E-40DD-AFC4-6F175D3DCCD1}">
+              <a14:hiddenFill xmlns:a14="http://schemas.microsoft.com/office/drawing/2010/main">
+                <a:solidFill>
+                  <a:srgbClr val="FFFFFF"/>
+                </a:solidFill>
+              </a14:hiddenFill>
+            </a:ext>
+          </a:extLst>
+        </p:spPr>
+      </p:pic>
+      <p:pic>
+        <p:nvPicPr>
+          <p:cNvPr id="1034" name="Picture 10" descr="Basic - Smart Home Building Automation Software - ComfortClick bOS">
             <a:extLst>
               <a:ext uri="{FF2B5EF4-FFF2-40B4-BE49-F238E27FC236}">
-                <a16:creationId xmlns:a16="http://schemas.microsoft.com/office/drawing/2014/main" id="{AE3EC363-3237-48BF-B17D-4B73FA1A2F69}"/>
+                <a16:creationId xmlns:a16="http://schemas.microsoft.com/office/drawing/2014/main" id="{2A53077D-71BE-4707-B4E6-BE006FB9093A}"/>
+              </a:ext>
+            </a:extLst>
+          </p:cNvPr>
+          <p:cNvPicPr>
+            <a:picLocks noChangeAspect="1" noChangeArrowheads="1"/>
+          </p:cNvPicPr>
+          <p:nvPr/>
+        </p:nvPicPr>
+        <p:blipFill>
+          <a:blip r:embed="rId5">
+            <a:extLst>
+              <a:ext uri="{28A0092B-C50C-407E-A947-70E740481C1C}">
+                <a14:useLocalDpi xmlns:a14="http://schemas.microsoft.com/office/drawing/2010/main" val="0"/>
+              </a:ext>
+            </a:extLst>
+          </a:blip>
+          <a:srcRect/>
+          <a:stretch>
+            <a:fillRect/>
+          </a:stretch>
+        </p:blipFill>
+        <p:spPr bwMode="auto">
+          <a:xfrm>
+            <a:off x="5866553" y="1950324"/>
+            <a:ext cx="1123656" cy="1123656"/>
+          </a:xfrm>
+          <a:prstGeom prst="rect">
+            <a:avLst/>
+          </a:prstGeom>
+          <a:noFill/>
+          <a:extLst>
+            <a:ext uri="{909E8E84-426E-40DD-AFC4-6F175D3DCCD1}">
+              <a14:hiddenFill xmlns:a14="http://schemas.microsoft.com/office/drawing/2010/main">
+                <a:solidFill>
+                  <a:srgbClr val="FFFFFF"/>
+                </a:solidFill>
+              </a14:hiddenFill>
+            </a:ext>
+          </a:extLst>
+        </p:spPr>
+      </p:pic>
+      <p:sp>
+        <p:nvSpPr>
+          <p:cNvPr id="4" name="Flecha: hacia abajo 3">
+            <a:extLst>
+              <a:ext uri="{FF2B5EF4-FFF2-40B4-BE49-F238E27FC236}">
+                <a16:creationId xmlns:a16="http://schemas.microsoft.com/office/drawing/2014/main" id="{7870E88D-9D1B-43A5-8E12-E373304153B9}"/>
               </a:ext>
             </a:extLst>
           </p:cNvPr>
@@ -9279,15 +8880,12 @@
           <p:nvPr/>
         </p:nvSpPr>
         <p:spPr>
-          <a:xfrm rot="20575410">
-            <a:off x="3461765" y="3429863"/>
-            <a:ext cx="2095130" cy="246355"/>
-          </a:xfrm>
-          <a:prstGeom prst="rightArrow">
-            <a:avLst>
-              <a:gd name="adj1" fmla="val 50000"/>
-              <a:gd name="adj2" fmla="val 165315"/>
-            </a:avLst>
+          <a:xfrm flipV="1">
+            <a:off x="2698812" y="4449283"/>
+            <a:ext cx="505288" cy="1161403"/>
+          </a:xfrm>
+          <a:prstGeom prst="downArrow">
+            <a:avLst/>
           </a:prstGeom>
         </p:spPr>
         <p:style>
@@ -9317,10 +8915,10 @@
       </p:sp>
       <p:sp>
         <p:nvSpPr>
-          <p:cNvPr id="11" name="Flecha: a la derecha 10">
+          <p:cNvPr id="11" name="Flecha: hacia abajo 10">
             <a:extLst>
               <a:ext uri="{FF2B5EF4-FFF2-40B4-BE49-F238E27FC236}">
-                <a16:creationId xmlns:a16="http://schemas.microsoft.com/office/drawing/2014/main" id="{09E25A6B-6227-449C-80B3-30079FC982C3}"/>
+                <a16:creationId xmlns:a16="http://schemas.microsoft.com/office/drawing/2014/main" id="{4EB92C4B-1882-4B16-BFAC-987FBEEC4B08}"/>
               </a:ext>
             </a:extLst>
           </p:cNvPr>
@@ -9328,15 +8926,12 @@
           <p:nvPr/>
         </p:nvSpPr>
         <p:spPr>
-          <a:xfrm>
-            <a:off x="3568823" y="4104039"/>
-            <a:ext cx="2095130" cy="246355"/>
-          </a:xfrm>
-          <a:prstGeom prst="rightArrow">
-            <a:avLst>
-              <a:gd name="adj1" fmla="val 50000"/>
-              <a:gd name="adj2" fmla="val 165315"/>
-            </a:avLst>
+          <a:xfrm flipV="1">
+            <a:off x="9221031" y="4378491"/>
+            <a:ext cx="505288" cy="1161403"/>
+          </a:xfrm>
+          <a:prstGeom prst="downArrow">
+            <a:avLst/>
           </a:prstGeom>
         </p:spPr>
         <p:style>
@@ -9366,10 +8961,10 @@
       </p:sp>
       <p:sp>
         <p:nvSpPr>
-          <p:cNvPr id="12" name="Flecha: a la derecha 11">
+          <p:cNvPr id="13" name="Flecha: hacia abajo 12">
             <a:extLst>
               <a:ext uri="{FF2B5EF4-FFF2-40B4-BE49-F238E27FC236}">
-                <a16:creationId xmlns:a16="http://schemas.microsoft.com/office/drawing/2014/main" id="{66FB9BD1-E374-49F4-B1E3-D538B2C1DEAF}"/>
+                <a16:creationId xmlns:a16="http://schemas.microsoft.com/office/drawing/2014/main" id="{09D42BC5-CB8B-439E-93C7-C2B5FE3F048E}"/>
               </a:ext>
             </a:extLst>
           </p:cNvPr>
@@ -9377,14 +8972,14 @@
           <p:nvPr/>
         </p:nvSpPr>
         <p:spPr>
-          <a:xfrm rot="1055753">
-            <a:off x="3463529" y="4762418"/>
-            <a:ext cx="2095130" cy="246355"/>
-          </a:xfrm>
-          <a:prstGeom prst="rightArrow">
+          <a:xfrm rot="16200000" flipV="1">
+            <a:off x="6392536" y="1065975"/>
+            <a:ext cx="269289" cy="4429959"/>
+          </a:xfrm>
+          <a:prstGeom prst="downArrow">
             <a:avLst>
               <a:gd name="adj1" fmla="val 50000"/>
-              <a:gd name="adj2" fmla="val 165315"/>
+              <a:gd name="adj2" fmla="val 129121"/>
             </a:avLst>
           </a:prstGeom>
         </p:spPr>
@@ -9415,10 +9010,106 @@
       </p:sp>
       <p:sp>
         <p:nvSpPr>
-          <p:cNvPr id="10" name="CuadroTexto 9">
+          <p:cNvPr id="14" name="Flecha: hacia abajo 13">
             <a:extLst>
               <a:ext uri="{FF2B5EF4-FFF2-40B4-BE49-F238E27FC236}">
-                <a16:creationId xmlns:a16="http://schemas.microsoft.com/office/drawing/2014/main" id="{FE950C0B-8CE2-4D4B-B91C-9D0DD3B15C79}"/>
+                <a16:creationId xmlns:a16="http://schemas.microsoft.com/office/drawing/2014/main" id="{0741DD26-C7B7-4AD1-B988-E35CB993A2A8}"/>
+              </a:ext>
+            </a:extLst>
+          </p:cNvPr>
+          <p:cNvSpPr/>
+          <p:nvPr/>
+        </p:nvSpPr>
+        <p:spPr>
+          <a:xfrm rot="5400000" flipV="1">
+            <a:off x="6392536" y="1591308"/>
+            <a:ext cx="269289" cy="4429959"/>
+          </a:xfrm>
+          <a:prstGeom prst="downArrow">
+            <a:avLst>
+              <a:gd name="adj1" fmla="val 50000"/>
+              <a:gd name="adj2" fmla="val 129121"/>
+            </a:avLst>
+          </a:prstGeom>
+        </p:spPr>
+        <p:style>
+          <a:lnRef idx="2">
+            <a:schemeClr val="accent1">
+              <a:shade val="50000"/>
+            </a:schemeClr>
+          </a:lnRef>
+          <a:fillRef idx="1">
+            <a:schemeClr val="accent1"/>
+          </a:fillRef>
+          <a:effectRef idx="0">
+            <a:schemeClr val="accent1"/>
+          </a:effectRef>
+          <a:fontRef idx="minor">
+            <a:schemeClr val="lt1"/>
+          </a:fontRef>
+        </p:style>
+        <p:txBody>
+          <a:bodyPr rtlCol="0" anchor="ctr"/>
+          <a:lstStyle/>
+          <a:p>
+            <a:pPr algn="ctr"/>
+            <a:endParaRPr lang="es-ES"/>
+          </a:p>
+        </p:txBody>
+      </p:sp>
+      <p:pic>
+        <p:nvPicPr>
+          <p:cNvPr id="1032" name="Picture 8" descr="Free Xml File Icon of Colored Outline style - Available in SVG, PNG, EPS,  AI &amp; Icon fonts">
+            <a:extLst>
+              <a:ext uri="{FF2B5EF4-FFF2-40B4-BE49-F238E27FC236}">
+                <a16:creationId xmlns:a16="http://schemas.microsoft.com/office/drawing/2014/main" id="{395568D9-D134-4A19-A5EC-D05916D93476}"/>
+              </a:ext>
+            </a:extLst>
+          </p:cNvPr>
+          <p:cNvPicPr>
+            <a:picLocks noChangeAspect="1" noChangeArrowheads="1"/>
+          </p:cNvPicPr>
+          <p:nvPr/>
+        </p:nvPicPr>
+        <p:blipFill>
+          <a:blip r:embed="rId6">
+            <a:extLst>
+              <a:ext uri="{28A0092B-C50C-407E-A947-70E740481C1C}">
+                <a14:useLocalDpi xmlns:a14="http://schemas.microsoft.com/office/drawing/2010/main" val="0"/>
+              </a:ext>
+            </a:extLst>
+          </a:blip>
+          <a:srcRect/>
+          <a:stretch>
+            <a:fillRect/>
+          </a:stretch>
+        </p:blipFill>
+        <p:spPr bwMode="auto">
+          <a:xfrm>
+            <a:off x="5951522" y="2977073"/>
+            <a:ext cx="1038687" cy="1038687"/>
+          </a:xfrm>
+          <a:prstGeom prst="rect">
+            <a:avLst/>
+          </a:prstGeom>
+          <a:noFill/>
+          <a:extLst>
+            <a:ext uri="{909E8E84-426E-40DD-AFC4-6F175D3DCCD1}">
+              <a14:hiddenFill xmlns:a14="http://schemas.microsoft.com/office/drawing/2010/main">
+                <a:solidFill>
+                  <a:srgbClr val="FFFFFF"/>
+                </a:solidFill>
+              </a14:hiddenFill>
+            </a:ext>
+          </a:extLst>
+        </p:spPr>
+      </p:pic>
+      <p:sp>
+        <p:nvSpPr>
+          <p:cNvPr id="5" name="CuadroTexto 4">
+            <a:extLst>
+              <a:ext uri="{FF2B5EF4-FFF2-40B4-BE49-F238E27FC236}">
+                <a16:creationId xmlns:a16="http://schemas.microsoft.com/office/drawing/2014/main" id="{0840DA44-C4A5-44F4-AC04-1D98166987F9}"/>
               </a:ext>
             </a:extLst>
           </p:cNvPr>
@@ -9427,8 +9118,8 @@
         </p:nvSpPr>
         <p:spPr>
           <a:xfrm>
-            <a:off x="8300621" y="3054728"/>
-            <a:ext cx="3151573" cy="1200329"/>
+            <a:off x="257452" y="3117645"/>
+            <a:ext cx="1726339" cy="1292662"/>
           </a:xfrm>
           <a:prstGeom prst="rect">
             <a:avLst/>
@@ -9442,34 +9133,1403 @@
           <a:lstStyle/>
           <a:p>
             <a:r>
-              <a:rPr lang="es-ES" dirty="0"/>
-              <a:t>En mi aplicación hay:</a:t>
-            </a:r>
-          </a:p>
-          <a:p>
-            <a:r>
-              <a:rPr lang="es-ES" dirty="0"/>
-              <a:t> - 493 Pokémon distintos.</a:t>
-            </a:r>
-          </a:p>
-          <a:p>
-            <a:r>
-              <a:rPr lang="es-ES" dirty="0"/>
-              <a:t> - 65 Objetos.</a:t>
-            </a:r>
-          </a:p>
-          <a:p>
-            <a:r>
-              <a:rPr lang="es-ES" dirty="0"/>
-              <a:t> - 328 Ataques.</a:t>
-            </a:r>
+              <a:rPr lang="es-ES" sz="1200" dirty="0"/>
+              <a:t>Aplicación Windows:</a:t>
+            </a:r>
+          </a:p>
+          <a:p>
+            <a:r>
+              <a:rPr lang="es-ES" sz="1200" dirty="0"/>
+              <a:t>- Visual Studio</a:t>
+            </a:r>
+          </a:p>
+          <a:p>
+            <a:r>
+              <a:rPr lang="es-ES" sz="1200" dirty="0"/>
+              <a:t>- .NET Framework.</a:t>
+            </a:r>
+          </a:p>
+          <a:p>
+            <a:r>
+              <a:rPr lang="es-ES" sz="1200" dirty="0"/>
+              <a:t>- Windows forms.</a:t>
+            </a:r>
+          </a:p>
+          <a:p>
+            <a:r>
+              <a:rPr lang="es-ES" sz="1200" dirty="0"/>
+              <a:t>- C#</a:t>
+            </a:r>
+          </a:p>
+          <a:p>
+            <a:endParaRPr lang="es-ES" dirty="0"/>
+          </a:p>
+        </p:txBody>
+      </p:sp>
+      <p:sp>
+        <p:nvSpPr>
+          <p:cNvPr id="16" name="CuadroTexto 15">
+            <a:extLst>
+              <a:ext uri="{FF2B5EF4-FFF2-40B4-BE49-F238E27FC236}">
+                <a16:creationId xmlns:a16="http://schemas.microsoft.com/office/drawing/2014/main" id="{E74794C1-CF0B-42BA-A237-7B4E3825439D}"/>
+              </a:ext>
+            </a:extLst>
+          </p:cNvPr>
+          <p:cNvSpPr txBox="1"/>
+          <p:nvPr/>
+        </p:nvSpPr>
+        <p:spPr>
+          <a:xfrm>
+            <a:off x="3351377" y="5805995"/>
+            <a:ext cx="1744406" cy="738664"/>
+          </a:xfrm>
+          <a:prstGeom prst="rect">
+            <a:avLst/>
+          </a:prstGeom>
+          <a:noFill/>
+        </p:spPr>
+        <p:txBody>
+          <a:bodyPr wrap="square" rtlCol="0">
+            <a:spAutoFit/>
+          </a:bodyPr>
+          <a:lstStyle/>
+          <a:p>
+            <a:r>
+              <a:rPr lang="es-ES" sz="1200" dirty="0"/>
+              <a:t>Base de datos:</a:t>
+            </a:r>
+          </a:p>
+          <a:p>
+            <a:r>
+              <a:rPr lang="es-ES" sz="1200" dirty="0"/>
+              <a:t>- Access SQL</a:t>
+            </a:r>
+          </a:p>
+          <a:p>
+            <a:endParaRPr lang="es-ES" dirty="0"/>
+          </a:p>
+        </p:txBody>
+      </p:sp>
+      <p:sp>
+        <p:nvSpPr>
+          <p:cNvPr id="17" name="CuadroTexto 16">
+            <a:extLst>
+              <a:ext uri="{FF2B5EF4-FFF2-40B4-BE49-F238E27FC236}">
+                <a16:creationId xmlns:a16="http://schemas.microsoft.com/office/drawing/2014/main" id="{0091BF19-927C-4F67-95D0-C9B93DF7D86D}"/>
+              </a:ext>
+            </a:extLst>
+          </p:cNvPr>
+          <p:cNvSpPr txBox="1"/>
+          <p:nvPr/>
+        </p:nvSpPr>
+        <p:spPr>
+          <a:xfrm>
+            <a:off x="7981913" y="5731797"/>
+            <a:ext cx="1744406" cy="738664"/>
+          </a:xfrm>
+          <a:prstGeom prst="rect">
+            <a:avLst/>
+          </a:prstGeom>
+          <a:noFill/>
+        </p:spPr>
+        <p:txBody>
+          <a:bodyPr wrap="square" rtlCol="0">
+            <a:spAutoFit/>
+          </a:bodyPr>
+          <a:lstStyle/>
+          <a:p>
+            <a:r>
+              <a:rPr lang="es-ES" sz="1200" dirty="0"/>
+              <a:t>Base de datos:</a:t>
+            </a:r>
+          </a:p>
+          <a:p>
+            <a:r>
+              <a:rPr lang="es-ES" sz="1200" dirty="0"/>
+              <a:t>- SQLite</a:t>
+            </a:r>
+          </a:p>
+          <a:p>
+            <a:endParaRPr lang="es-ES" dirty="0"/>
+          </a:p>
+        </p:txBody>
+      </p:sp>
+      <p:sp>
+        <p:nvSpPr>
+          <p:cNvPr id="18" name="CuadroTexto 17">
+            <a:extLst>
+              <a:ext uri="{FF2B5EF4-FFF2-40B4-BE49-F238E27FC236}">
+                <a16:creationId xmlns:a16="http://schemas.microsoft.com/office/drawing/2014/main" id="{0E01EDEA-AA39-40AC-BC8D-CF774576B7AF}"/>
+              </a:ext>
+            </a:extLst>
+          </p:cNvPr>
+          <p:cNvSpPr txBox="1"/>
+          <p:nvPr/>
+        </p:nvSpPr>
+        <p:spPr>
+          <a:xfrm>
+            <a:off x="10113228" y="3116854"/>
+            <a:ext cx="1744406" cy="923330"/>
+          </a:xfrm>
+          <a:prstGeom prst="rect">
+            <a:avLst/>
+          </a:prstGeom>
+          <a:noFill/>
+        </p:spPr>
+        <p:txBody>
+          <a:bodyPr wrap="square" rtlCol="0">
+            <a:spAutoFit/>
+          </a:bodyPr>
+          <a:lstStyle/>
+          <a:p>
+            <a:r>
+              <a:rPr lang="es-ES" sz="1200" dirty="0"/>
+              <a:t>Aplicación móvil:</a:t>
+            </a:r>
+          </a:p>
+          <a:p>
+            <a:pPr marL="171450" indent="-171450">
+              <a:buFontTx/>
+              <a:buChar char="-"/>
+            </a:pPr>
+            <a:r>
+              <a:rPr lang="es-ES" sz="1200" dirty="0"/>
+              <a:t>Android Studio</a:t>
+            </a:r>
+          </a:p>
+          <a:p>
+            <a:pPr marL="171450" indent="-171450">
+              <a:buFontTx/>
+              <a:buChar char="-"/>
+            </a:pPr>
+            <a:r>
+              <a:rPr lang="es-ES" sz="1200" dirty="0"/>
+              <a:t>Java</a:t>
+            </a:r>
+          </a:p>
+          <a:p>
+            <a:endParaRPr lang="es-ES" dirty="0"/>
+          </a:p>
+        </p:txBody>
+      </p:sp>
+      <p:pic>
+        <p:nvPicPr>
+          <p:cNvPr id="1036" name="Picture 12" descr="Ftp - Iconos gratis de flechas">
+            <a:extLst>
+              <a:ext uri="{FF2B5EF4-FFF2-40B4-BE49-F238E27FC236}">
+                <a16:creationId xmlns:a16="http://schemas.microsoft.com/office/drawing/2014/main" id="{6F1B7741-FEA9-4C1F-9F44-46C627872E24}"/>
+              </a:ext>
+            </a:extLst>
+          </p:cNvPr>
+          <p:cNvPicPr>
+            <a:picLocks noChangeAspect="1" noChangeArrowheads="1"/>
+          </p:cNvPicPr>
+          <p:nvPr/>
+        </p:nvPicPr>
+        <p:blipFill>
+          <a:blip r:embed="rId7">
+            <a:extLst>
+              <a:ext uri="{28A0092B-C50C-407E-A947-70E740481C1C}">
+                <a14:useLocalDpi xmlns:a14="http://schemas.microsoft.com/office/drawing/2010/main" val="0"/>
+              </a:ext>
+            </a:extLst>
+          </a:blip>
+          <a:srcRect/>
+          <a:stretch>
+            <a:fillRect/>
+          </a:stretch>
+        </p:blipFill>
+        <p:spPr bwMode="auto">
+          <a:xfrm>
+            <a:off x="5951522" y="4114358"/>
+            <a:ext cx="984997" cy="984997"/>
+          </a:xfrm>
+          <a:prstGeom prst="rect">
+            <a:avLst/>
+          </a:prstGeom>
+          <a:noFill/>
+          <a:extLst>
+            <a:ext uri="{909E8E84-426E-40DD-AFC4-6F175D3DCCD1}">
+              <a14:hiddenFill xmlns:a14="http://schemas.microsoft.com/office/drawing/2010/main">
+                <a:solidFill>
+                  <a:srgbClr val="FFFFFF"/>
+                </a:solidFill>
+              </a14:hiddenFill>
+            </a:ext>
+          </a:extLst>
+        </p:spPr>
+      </p:pic>
+      <p:sp>
+        <p:nvSpPr>
+          <p:cNvPr id="20" name="CuadroTexto 19">
+            <a:extLst>
+              <a:ext uri="{FF2B5EF4-FFF2-40B4-BE49-F238E27FC236}">
+                <a16:creationId xmlns:a16="http://schemas.microsoft.com/office/drawing/2014/main" id="{4B873321-5069-46AC-BB55-AB5647812D40}"/>
+              </a:ext>
+            </a:extLst>
+          </p:cNvPr>
+          <p:cNvSpPr txBox="1"/>
+          <p:nvPr/>
+        </p:nvSpPr>
+        <p:spPr>
+          <a:xfrm>
+            <a:off x="6997754" y="4339561"/>
+            <a:ext cx="1744406" cy="553998"/>
+          </a:xfrm>
+          <a:prstGeom prst="rect">
+            <a:avLst/>
+          </a:prstGeom>
+          <a:noFill/>
+        </p:spPr>
+        <p:txBody>
+          <a:bodyPr wrap="square" rtlCol="0">
+            <a:spAutoFit/>
+          </a:bodyPr>
+          <a:lstStyle/>
+          <a:p>
+            <a:r>
+              <a:rPr lang="es-ES" sz="1200" dirty="0"/>
+              <a:t>FTP mediante sockets</a:t>
+            </a:r>
+          </a:p>
+          <a:p>
+            <a:endParaRPr lang="es-ES" dirty="0"/>
+          </a:p>
+        </p:txBody>
+      </p:sp>
+      <p:sp>
+        <p:nvSpPr>
+          <p:cNvPr id="21" name="CuadroTexto 20">
+            <a:extLst>
+              <a:ext uri="{FF2B5EF4-FFF2-40B4-BE49-F238E27FC236}">
+                <a16:creationId xmlns:a16="http://schemas.microsoft.com/office/drawing/2014/main" id="{42FC2EAA-F208-424D-8AEE-5117CC9B54D3}"/>
+              </a:ext>
+            </a:extLst>
+          </p:cNvPr>
+          <p:cNvSpPr txBox="1"/>
+          <p:nvPr/>
+        </p:nvSpPr>
+        <p:spPr>
+          <a:xfrm>
+            <a:off x="2505788" y="2603943"/>
+            <a:ext cx="1052822" cy="553998"/>
+          </a:xfrm>
+          <a:prstGeom prst="rect">
+            <a:avLst/>
+          </a:prstGeom>
+          <a:noFill/>
+        </p:spPr>
+        <p:txBody>
+          <a:bodyPr wrap="square" rtlCol="0">
+            <a:spAutoFit/>
+          </a:bodyPr>
+          <a:lstStyle/>
+          <a:p>
+            <a:r>
+              <a:rPr lang="es-ES" sz="1200" dirty="0"/>
+              <a:t>“Servidor”</a:t>
+            </a:r>
+          </a:p>
+          <a:p>
+            <a:endParaRPr lang="es-ES" dirty="0"/>
+          </a:p>
+        </p:txBody>
+      </p:sp>
+      <p:sp>
+        <p:nvSpPr>
+          <p:cNvPr id="22" name="CuadroTexto 21">
+            <a:extLst>
+              <a:ext uri="{FF2B5EF4-FFF2-40B4-BE49-F238E27FC236}">
+                <a16:creationId xmlns:a16="http://schemas.microsoft.com/office/drawing/2014/main" id="{6804BE97-B1AF-4217-8D47-E226013052F1}"/>
+              </a:ext>
+            </a:extLst>
+          </p:cNvPr>
+          <p:cNvSpPr txBox="1"/>
+          <p:nvPr/>
+        </p:nvSpPr>
+        <p:spPr>
+          <a:xfrm>
+            <a:off x="9069271" y="2305438"/>
+            <a:ext cx="935863" cy="553998"/>
+          </a:xfrm>
+          <a:prstGeom prst="rect">
+            <a:avLst/>
+          </a:prstGeom>
+          <a:noFill/>
+        </p:spPr>
+        <p:txBody>
+          <a:bodyPr wrap="square" rtlCol="0">
+            <a:spAutoFit/>
+          </a:bodyPr>
+          <a:lstStyle/>
+          <a:p>
+            <a:r>
+              <a:rPr lang="es-ES" sz="1200" dirty="0"/>
+              <a:t>“Cliente”</a:t>
+            </a:r>
+          </a:p>
+          <a:p>
+            <a:endParaRPr lang="es-ES" dirty="0"/>
           </a:p>
         </p:txBody>
       </p:sp>
     </p:spTree>
     <p:extLst>
       <p:ext uri="{BB962C8B-B14F-4D97-AF65-F5344CB8AC3E}">
-        <p14:creationId xmlns:p14="http://schemas.microsoft.com/office/powerpoint/2010/main" val="2131366217"/>
+        <p14:creationId xmlns:p14="http://schemas.microsoft.com/office/powerpoint/2010/main" val="3884791674"/>
+      </p:ext>
+    </p:extLst>
+  </p:cSld>
+  <p:clrMapOvr>
+    <a:masterClrMapping/>
+  </p:clrMapOvr>
+</p:sld>
+</file>
+
+<file path=ppt/slides/slide5.xml><?xml version="1.0" encoding="utf-8"?>
+<p:sld xmlns:a="http://schemas.openxmlformats.org/drawingml/2006/main" xmlns:r="http://schemas.openxmlformats.org/officeDocument/2006/relationships" xmlns:p="http://schemas.openxmlformats.org/presentationml/2006/main">
+  <p:cSld>
+    <p:spTree>
+      <p:nvGrpSpPr>
+        <p:cNvPr id="1" name=""/>
+        <p:cNvGrpSpPr/>
+        <p:nvPr/>
+      </p:nvGrpSpPr>
+      <p:grpSpPr>
+        <a:xfrm>
+          <a:off x="0" y="0"/>
+          <a:ext cx="0" cy="0"/>
+          <a:chOff x="0" y="0"/>
+          <a:chExt cx="0" cy="0"/>
+        </a:xfrm>
+      </p:grpSpPr>
+      <p:sp>
+        <p:nvSpPr>
+          <p:cNvPr id="4" name="Título 1">
+            <a:extLst>
+              <a:ext uri="{FF2B5EF4-FFF2-40B4-BE49-F238E27FC236}">
+                <a16:creationId xmlns:a16="http://schemas.microsoft.com/office/drawing/2014/main" id="{F230D41F-73A8-4825-8E0C-A09387B127DE}"/>
+              </a:ext>
+            </a:extLst>
+          </p:cNvPr>
+          <p:cNvSpPr>
+            <a:spLocks noGrp="1"/>
+          </p:cNvSpPr>
+          <p:nvPr>
+            <p:ph type="title"/>
+          </p:nvPr>
+        </p:nvSpPr>
+        <p:spPr>
+          <a:xfrm>
+            <a:off x="600422" y="961907"/>
+            <a:ext cx="9613861" cy="1080938"/>
+          </a:xfrm>
+        </p:spPr>
+        <p:txBody>
+          <a:bodyPr>
+            <a:normAutofit/>
+          </a:bodyPr>
+          <a:lstStyle/>
+          <a:p>
+            <a:r>
+              <a:rPr lang="es-ES" dirty="0">
+                <a:solidFill>
+                  <a:srgbClr val="FF0000"/>
+                </a:solidFill>
+                <a:latin typeface="Calibri Light" panose="020F0302020204030204" pitchFamily="34" charset="0"/>
+                <a:ea typeface="Times New Roman" panose="02020603050405020304" pitchFamily="18" charset="0"/>
+                <a:cs typeface="Times New Roman" panose="02020603050405020304" pitchFamily="18" charset="0"/>
+              </a:rPr>
+              <a:t>Intercambio de datos.</a:t>
+            </a:r>
+            <a:br>
+              <a:rPr lang="es-ES" sz="3600" dirty="0">
+                <a:solidFill>
+                  <a:srgbClr val="FF0000"/>
+                </a:solidFill>
+                <a:effectLst/>
+                <a:latin typeface="Calibri" panose="020F0502020204030204" pitchFamily="34" charset="0"/>
+                <a:ea typeface="Times New Roman" panose="02020603050405020304" pitchFamily="18" charset="0"/>
+                <a:cs typeface="Times New Roman" panose="02020603050405020304" pitchFamily="18" charset="0"/>
+              </a:rPr>
+            </a:br>
+            <a:endParaRPr lang="es-ES" dirty="0"/>
+          </a:p>
+        </p:txBody>
+      </p:sp>
+      <p:pic>
+        <p:nvPicPr>
+          <p:cNvPr id="5" name="Picture 4" descr="Icono Pantalla, escritorio, pc, ordenador Gratis de Office">
+            <a:extLst>
+              <a:ext uri="{FF2B5EF4-FFF2-40B4-BE49-F238E27FC236}">
+                <a16:creationId xmlns:a16="http://schemas.microsoft.com/office/drawing/2014/main" id="{4CC50C8F-0A90-4E87-BC02-FCCFD6EF47E9}"/>
+              </a:ext>
+            </a:extLst>
+          </p:cNvPr>
+          <p:cNvPicPr>
+            <a:picLocks noChangeAspect="1" noChangeArrowheads="1"/>
+          </p:cNvPicPr>
+          <p:nvPr/>
+        </p:nvPicPr>
+        <p:blipFill>
+          <a:blip r:embed="rId2">
+            <a:extLst>
+              <a:ext uri="{28A0092B-C50C-407E-A947-70E740481C1C}">
+                <a14:useLocalDpi xmlns:a14="http://schemas.microsoft.com/office/drawing/2010/main" val="0"/>
+              </a:ext>
+            </a:extLst>
+          </a:blip>
+          <a:srcRect/>
+          <a:stretch>
+            <a:fillRect/>
+          </a:stretch>
+        </p:blipFill>
+        <p:spPr bwMode="auto">
+          <a:xfrm>
+            <a:off x="404756" y="3336500"/>
+            <a:ext cx="2968402" cy="2968402"/>
+          </a:xfrm>
+          <a:prstGeom prst="rect">
+            <a:avLst/>
+          </a:prstGeom>
+          <a:noFill/>
+          <a:extLst>
+            <a:ext uri="{909E8E84-426E-40DD-AFC4-6F175D3DCCD1}">
+              <a14:hiddenFill xmlns:a14="http://schemas.microsoft.com/office/drawing/2010/main">
+                <a:solidFill>
+                  <a:srgbClr val="FFFFFF"/>
+                </a:solidFill>
+              </a14:hiddenFill>
+            </a:ext>
+          </a:extLst>
+        </p:spPr>
+      </p:pic>
+      <p:pic>
+        <p:nvPicPr>
+          <p:cNvPr id="6" name="Picture 6" descr="Contacto - Sección Sindical de la CSC en Ayesa AT">
+            <a:extLst>
+              <a:ext uri="{FF2B5EF4-FFF2-40B4-BE49-F238E27FC236}">
+                <a16:creationId xmlns:a16="http://schemas.microsoft.com/office/drawing/2014/main" id="{4D9A247E-0329-460B-96EA-0B8DAD1338C2}"/>
+              </a:ext>
+            </a:extLst>
+          </p:cNvPr>
+          <p:cNvPicPr>
+            <a:picLocks noChangeAspect="1" noChangeArrowheads="1"/>
+          </p:cNvPicPr>
+          <p:nvPr/>
+        </p:nvPicPr>
+        <p:blipFill>
+          <a:blip r:embed="rId3">
+            <a:extLst>
+              <a:ext uri="{28A0092B-C50C-407E-A947-70E740481C1C}">
+                <a14:useLocalDpi xmlns:a14="http://schemas.microsoft.com/office/drawing/2010/main" val="0"/>
+              </a:ext>
+            </a:extLst>
+          </a:blip>
+          <a:srcRect/>
+          <a:stretch>
+            <a:fillRect/>
+          </a:stretch>
+        </p:blipFill>
+        <p:spPr bwMode="auto">
+          <a:xfrm>
+            <a:off x="9133163" y="3372375"/>
+            <a:ext cx="2901913" cy="2901913"/>
+          </a:xfrm>
+          <a:prstGeom prst="rect">
+            <a:avLst/>
+          </a:prstGeom>
+          <a:noFill/>
+          <a:extLst>
+            <a:ext uri="{909E8E84-426E-40DD-AFC4-6F175D3DCCD1}">
+              <a14:hiddenFill xmlns:a14="http://schemas.microsoft.com/office/drawing/2010/main">
+                <a:solidFill>
+                  <a:srgbClr val="FFFFFF"/>
+                </a:solidFill>
+              </a14:hiddenFill>
+            </a:ext>
+          </a:extLst>
+        </p:spPr>
+      </p:pic>
+      <p:sp>
+        <p:nvSpPr>
+          <p:cNvPr id="7" name="Flecha: a la derecha 6">
+            <a:extLst>
+              <a:ext uri="{FF2B5EF4-FFF2-40B4-BE49-F238E27FC236}">
+                <a16:creationId xmlns:a16="http://schemas.microsoft.com/office/drawing/2014/main" id="{6E58A3D9-6AB2-4C01-8BBF-BE4696AF9C0F}"/>
+              </a:ext>
+            </a:extLst>
+          </p:cNvPr>
+          <p:cNvSpPr/>
+          <p:nvPr/>
+        </p:nvSpPr>
+        <p:spPr>
+          <a:xfrm>
+            <a:off x="3902832" y="3215663"/>
+            <a:ext cx="5282169" cy="246355"/>
+          </a:xfrm>
+          <a:prstGeom prst="rightArrow">
+            <a:avLst>
+              <a:gd name="adj1" fmla="val 50000"/>
+              <a:gd name="adj2" fmla="val 165315"/>
+            </a:avLst>
+          </a:prstGeom>
+        </p:spPr>
+        <p:style>
+          <a:lnRef idx="2">
+            <a:schemeClr val="accent1">
+              <a:shade val="50000"/>
+            </a:schemeClr>
+          </a:lnRef>
+          <a:fillRef idx="1">
+            <a:schemeClr val="accent1"/>
+          </a:fillRef>
+          <a:effectRef idx="0">
+            <a:schemeClr val="accent1"/>
+          </a:effectRef>
+          <a:fontRef idx="minor">
+            <a:schemeClr val="lt1"/>
+          </a:fontRef>
+        </p:style>
+        <p:txBody>
+          <a:bodyPr rtlCol="0" anchor="ctr"/>
+          <a:lstStyle/>
+          <a:p>
+            <a:pPr algn="ctr"/>
+            <a:endParaRPr lang="es-ES"/>
+          </a:p>
+        </p:txBody>
+      </p:sp>
+      <p:pic>
+        <p:nvPicPr>
+          <p:cNvPr id="8" name="Picture 8" descr="Free Xml File Icon of Colored Outline style - Available in SVG, PNG, EPS,  AI &amp; Icon fonts">
+            <a:extLst>
+              <a:ext uri="{FF2B5EF4-FFF2-40B4-BE49-F238E27FC236}">
+                <a16:creationId xmlns:a16="http://schemas.microsoft.com/office/drawing/2014/main" id="{2B2A0655-DCA8-47D7-87D6-6AEEF9078E0D}"/>
+              </a:ext>
+            </a:extLst>
+          </p:cNvPr>
+          <p:cNvPicPr>
+            <a:picLocks noChangeAspect="1" noChangeArrowheads="1"/>
+          </p:cNvPicPr>
+          <p:nvPr/>
+        </p:nvPicPr>
+        <p:blipFill>
+          <a:blip r:embed="rId4">
+            <a:extLst>
+              <a:ext uri="{28A0092B-C50C-407E-A947-70E740481C1C}">
+                <a14:useLocalDpi xmlns:a14="http://schemas.microsoft.com/office/drawing/2010/main" val="0"/>
+              </a:ext>
+            </a:extLst>
+          </a:blip>
+          <a:srcRect/>
+          <a:stretch>
+            <a:fillRect/>
+          </a:stretch>
+        </p:blipFill>
+        <p:spPr bwMode="auto">
+          <a:xfrm>
+            <a:off x="5914865" y="2853031"/>
+            <a:ext cx="1038687" cy="1038687"/>
+          </a:xfrm>
+          <a:prstGeom prst="rect">
+            <a:avLst/>
+          </a:prstGeom>
+          <a:noFill/>
+          <a:extLst>
+            <a:ext uri="{909E8E84-426E-40DD-AFC4-6F175D3DCCD1}">
+              <a14:hiddenFill xmlns:a14="http://schemas.microsoft.com/office/drawing/2010/main">
+                <a:solidFill>
+                  <a:srgbClr val="FFFFFF"/>
+                </a:solidFill>
+              </a14:hiddenFill>
+            </a:ext>
+          </a:extLst>
+        </p:spPr>
+      </p:pic>
+      <p:sp>
+        <p:nvSpPr>
+          <p:cNvPr id="9" name="CuadroTexto 8">
+            <a:extLst>
+              <a:ext uri="{FF2B5EF4-FFF2-40B4-BE49-F238E27FC236}">
+                <a16:creationId xmlns:a16="http://schemas.microsoft.com/office/drawing/2014/main" id="{654C5C32-5CBF-401C-9129-63E68477A23C}"/>
+              </a:ext>
+            </a:extLst>
+          </p:cNvPr>
+          <p:cNvSpPr txBox="1"/>
+          <p:nvPr/>
+        </p:nvSpPr>
+        <p:spPr>
+          <a:xfrm>
+            <a:off x="6434208" y="2361681"/>
+            <a:ext cx="2484546" cy="1107996"/>
+          </a:xfrm>
+          <a:prstGeom prst="rect">
+            <a:avLst/>
+          </a:prstGeom>
+          <a:noFill/>
+        </p:spPr>
+        <p:txBody>
+          <a:bodyPr wrap="square" rtlCol="0">
+            <a:spAutoFit/>
+          </a:bodyPr>
+          <a:lstStyle/>
+          <a:p>
+            <a:r>
+              <a:rPr lang="es-ES" sz="1200" dirty="0"/>
+              <a:t>XML con los datos del combate:</a:t>
+            </a:r>
+          </a:p>
+          <a:p>
+            <a:r>
+              <a:rPr lang="es-ES" sz="1200" dirty="0"/>
+              <a:t>	- Final del turno.</a:t>
+            </a:r>
+          </a:p>
+          <a:p>
+            <a:r>
+              <a:rPr lang="es-ES" sz="1200" dirty="0"/>
+              <a:t>	- Primera conexión.</a:t>
+            </a:r>
+          </a:p>
+          <a:p>
+            <a:r>
+              <a:rPr lang="es-ES" sz="1200" dirty="0"/>
+              <a:t>	- Cambio de Pokémon.</a:t>
+            </a:r>
+          </a:p>
+          <a:p>
+            <a:endParaRPr lang="es-ES" dirty="0"/>
+          </a:p>
+        </p:txBody>
+      </p:sp>
+      <p:sp>
+        <p:nvSpPr>
+          <p:cNvPr id="10" name="Flecha: a la derecha 9">
+            <a:extLst>
+              <a:ext uri="{FF2B5EF4-FFF2-40B4-BE49-F238E27FC236}">
+                <a16:creationId xmlns:a16="http://schemas.microsoft.com/office/drawing/2014/main" id="{B3678433-A65A-4A1C-83A0-2DEA9981103B}"/>
+              </a:ext>
+            </a:extLst>
+          </p:cNvPr>
+          <p:cNvSpPr/>
+          <p:nvPr/>
+        </p:nvSpPr>
+        <p:spPr>
+          <a:xfrm rot="10800000">
+            <a:off x="3804548" y="4895618"/>
+            <a:ext cx="5361261" cy="246354"/>
+          </a:xfrm>
+          <a:prstGeom prst="rightArrow">
+            <a:avLst>
+              <a:gd name="adj1" fmla="val 50000"/>
+              <a:gd name="adj2" fmla="val 197748"/>
+            </a:avLst>
+          </a:prstGeom>
+        </p:spPr>
+        <p:style>
+          <a:lnRef idx="2">
+            <a:schemeClr val="accent1">
+              <a:shade val="50000"/>
+            </a:schemeClr>
+          </a:lnRef>
+          <a:fillRef idx="1">
+            <a:schemeClr val="accent1"/>
+          </a:fillRef>
+          <a:effectRef idx="0">
+            <a:schemeClr val="accent1"/>
+          </a:effectRef>
+          <a:fontRef idx="minor">
+            <a:schemeClr val="lt1"/>
+          </a:fontRef>
+        </p:style>
+        <p:txBody>
+          <a:bodyPr rtlCol="0" anchor="ctr"/>
+          <a:lstStyle/>
+          <a:p>
+            <a:pPr algn="ctr"/>
+            <a:endParaRPr lang="es-ES"/>
+          </a:p>
+        </p:txBody>
+      </p:sp>
+      <p:sp>
+        <p:nvSpPr>
+          <p:cNvPr id="11" name="CuadroTexto 10">
+            <a:extLst>
+              <a:ext uri="{FF2B5EF4-FFF2-40B4-BE49-F238E27FC236}">
+                <a16:creationId xmlns:a16="http://schemas.microsoft.com/office/drawing/2014/main" id="{1D5F826C-0AC1-45D4-989B-2A828F3E3485}"/>
+              </a:ext>
+            </a:extLst>
+          </p:cNvPr>
+          <p:cNvSpPr txBox="1"/>
+          <p:nvPr/>
+        </p:nvSpPr>
+        <p:spPr>
+          <a:xfrm>
+            <a:off x="4839757" y="5057409"/>
+            <a:ext cx="3720997" cy="738664"/>
+          </a:xfrm>
+          <a:prstGeom prst="rect">
+            <a:avLst/>
+          </a:prstGeom>
+          <a:noFill/>
+        </p:spPr>
+        <p:txBody>
+          <a:bodyPr wrap="square" rtlCol="0">
+            <a:spAutoFit/>
+          </a:bodyPr>
+          <a:lstStyle/>
+          <a:p>
+            <a:r>
+              <a:rPr lang="es-ES" sz="1200" dirty="0"/>
+              <a:t>Mensaje con el ataque seleccionado por el usuario:</a:t>
+            </a:r>
+          </a:p>
+          <a:p>
+            <a:r>
+              <a:rPr lang="es-ES" sz="1200" dirty="0"/>
+              <a:t>	- Cuando el usuario elige el ataque.</a:t>
+            </a:r>
+          </a:p>
+          <a:p>
+            <a:endParaRPr lang="es-ES" dirty="0"/>
+          </a:p>
+        </p:txBody>
+      </p:sp>
+      <p:sp>
+        <p:nvSpPr>
+          <p:cNvPr id="12" name="Flecha: a la derecha 11">
+            <a:extLst>
+              <a:ext uri="{FF2B5EF4-FFF2-40B4-BE49-F238E27FC236}">
+                <a16:creationId xmlns:a16="http://schemas.microsoft.com/office/drawing/2014/main" id="{C65FC2AE-164E-4361-B2AB-71492394994B}"/>
+              </a:ext>
+            </a:extLst>
+          </p:cNvPr>
+          <p:cNvSpPr/>
+          <p:nvPr/>
+        </p:nvSpPr>
+        <p:spPr>
+          <a:xfrm>
+            <a:off x="3896634" y="4012041"/>
+            <a:ext cx="5355063" cy="271411"/>
+          </a:xfrm>
+          <a:prstGeom prst="rightArrow">
+            <a:avLst>
+              <a:gd name="adj1" fmla="val 50000"/>
+              <a:gd name="adj2" fmla="val 165315"/>
+            </a:avLst>
+          </a:prstGeom>
+        </p:spPr>
+        <p:style>
+          <a:lnRef idx="2">
+            <a:schemeClr val="accent1">
+              <a:shade val="50000"/>
+            </a:schemeClr>
+          </a:lnRef>
+          <a:fillRef idx="1">
+            <a:schemeClr val="accent1"/>
+          </a:fillRef>
+          <a:effectRef idx="0">
+            <a:schemeClr val="accent1"/>
+          </a:effectRef>
+          <a:fontRef idx="minor">
+            <a:schemeClr val="lt1"/>
+          </a:fontRef>
+        </p:style>
+        <p:txBody>
+          <a:bodyPr rtlCol="0" anchor="ctr"/>
+          <a:lstStyle/>
+          <a:p>
+            <a:pPr algn="ctr"/>
+            <a:endParaRPr lang="es-ES"/>
+          </a:p>
+        </p:txBody>
+      </p:sp>
+      <p:sp>
+        <p:nvSpPr>
+          <p:cNvPr id="13" name="CuadroTexto 12">
+            <a:extLst>
+              <a:ext uri="{FF2B5EF4-FFF2-40B4-BE49-F238E27FC236}">
+                <a16:creationId xmlns:a16="http://schemas.microsoft.com/office/drawing/2014/main" id="{C01399F6-080F-4418-AA04-A7010D2C14A2}"/>
+              </a:ext>
+            </a:extLst>
+          </p:cNvPr>
+          <p:cNvSpPr txBox="1"/>
+          <p:nvPr/>
+        </p:nvSpPr>
+        <p:spPr>
+          <a:xfrm>
+            <a:off x="4888447" y="4166936"/>
+            <a:ext cx="3716695" cy="461665"/>
+          </a:xfrm>
+          <a:prstGeom prst="rect">
+            <a:avLst/>
+          </a:prstGeom>
+          <a:noFill/>
+        </p:spPr>
+        <p:txBody>
+          <a:bodyPr wrap="square" rtlCol="0">
+            <a:spAutoFit/>
+          </a:bodyPr>
+          <a:lstStyle/>
+          <a:p>
+            <a:r>
+              <a:rPr lang="es-ES" sz="1200" dirty="0"/>
+              <a:t>Mensaje con la información durante el turno:</a:t>
+            </a:r>
+          </a:p>
+          <a:p>
+            <a:r>
+              <a:rPr lang="es-ES" sz="1200" dirty="0"/>
+              <a:t>	- Cuando finaliza un “subturno”.</a:t>
+            </a:r>
+          </a:p>
+        </p:txBody>
+      </p:sp>
+      <p:sp>
+        <p:nvSpPr>
+          <p:cNvPr id="14" name="Flecha: a la derecha 13">
+            <a:extLst>
+              <a:ext uri="{FF2B5EF4-FFF2-40B4-BE49-F238E27FC236}">
+                <a16:creationId xmlns:a16="http://schemas.microsoft.com/office/drawing/2014/main" id="{3B1BE9E6-883C-45CE-98E8-5608AE8BB075}"/>
+              </a:ext>
+            </a:extLst>
+          </p:cNvPr>
+          <p:cNvSpPr/>
+          <p:nvPr/>
+        </p:nvSpPr>
+        <p:spPr>
+          <a:xfrm rot="10800000">
+            <a:off x="3800414" y="5737737"/>
+            <a:ext cx="5361261" cy="246354"/>
+          </a:xfrm>
+          <a:prstGeom prst="rightArrow">
+            <a:avLst>
+              <a:gd name="adj1" fmla="val 50000"/>
+              <a:gd name="adj2" fmla="val 197748"/>
+            </a:avLst>
+          </a:prstGeom>
+        </p:spPr>
+        <p:style>
+          <a:lnRef idx="2">
+            <a:schemeClr val="accent1">
+              <a:shade val="50000"/>
+            </a:schemeClr>
+          </a:lnRef>
+          <a:fillRef idx="1">
+            <a:schemeClr val="accent1"/>
+          </a:fillRef>
+          <a:effectRef idx="0">
+            <a:schemeClr val="accent1"/>
+          </a:effectRef>
+          <a:fontRef idx="minor">
+            <a:schemeClr val="lt1"/>
+          </a:fontRef>
+        </p:style>
+        <p:txBody>
+          <a:bodyPr rtlCol="0" anchor="ctr"/>
+          <a:lstStyle/>
+          <a:p>
+            <a:pPr algn="ctr"/>
+            <a:endParaRPr lang="es-ES"/>
+          </a:p>
+        </p:txBody>
+      </p:sp>
+      <p:sp>
+        <p:nvSpPr>
+          <p:cNvPr id="15" name="CuadroTexto 14">
+            <a:extLst>
+              <a:ext uri="{FF2B5EF4-FFF2-40B4-BE49-F238E27FC236}">
+                <a16:creationId xmlns:a16="http://schemas.microsoft.com/office/drawing/2014/main" id="{E17C3E61-24B2-4090-AB8E-D57BF56F8554}"/>
+              </a:ext>
+            </a:extLst>
+          </p:cNvPr>
+          <p:cNvSpPr txBox="1"/>
+          <p:nvPr/>
+        </p:nvSpPr>
+        <p:spPr>
+          <a:xfrm>
+            <a:off x="4814311" y="5967294"/>
+            <a:ext cx="4314719" cy="738664"/>
+          </a:xfrm>
+          <a:prstGeom prst="rect">
+            <a:avLst/>
+          </a:prstGeom>
+          <a:noFill/>
+        </p:spPr>
+        <p:txBody>
+          <a:bodyPr wrap="square" rtlCol="0">
+            <a:spAutoFit/>
+          </a:bodyPr>
+          <a:lstStyle/>
+          <a:p>
+            <a:r>
+              <a:rPr lang="es-ES" sz="1200" dirty="0"/>
+              <a:t>Mensaje de desconexión:</a:t>
+            </a:r>
+          </a:p>
+          <a:p>
+            <a:r>
+              <a:rPr lang="es-ES" sz="1200" dirty="0"/>
+              <a:t>	- Cuando el usuario sale de la pantalla de combate.</a:t>
+            </a:r>
+          </a:p>
+          <a:p>
+            <a:endParaRPr lang="es-ES" dirty="0"/>
+          </a:p>
+        </p:txBody>
+      </p:sp>
+    </p:spTree>
+    <p:extLst>
+      <p:ext uri="{BB962C8B-B14F-4D97-AF65-F5344CB8AC3E}">
+        <p14:creationId xmlns:p14="http://schemas.microsoft.com/office/powerpoint/2010/main" val="1839100246"/>
+      </p:ext>
+    </p:extLst>
+  </p:cSld>
+  <p:clrMapOvr>
+    <a:masterClrMapping/>
+  </p:clrMapOvr>
+</p:sld>
+</file>
+
+<file path=ppt/slides/slide6.xml><?xml version="1.0" encoding="utf-8"?>
+<p:sld xmlns:a="http://schemas.openxmlformats.org/drawingml/2006/main" xmlns:r="http://schemas.openxmlformats.org/officeDocument/2006/relationships" xmlns:p="http://schemas.openxmlformats.org/presentationml/2006/main">
+  <p:cSld>
+    <p:spTree>
+      <p:nvGrpSpPr>
+        <p:cNvPr id="1" name=""/>
+        <p:cNvGrpSpPr/>
+        <p:nvPr/>
+      </p:nvGrpSpPr>
+      <p:grpSpPr>
+        <a:xfrm>
+          <a:off x="0" y="0"/>
+          <a:ext cx="0" cy="0"/>
+          <a:chOff x="0" y="0"/>
+          <a:chExt cx="0" cy="0"/>
+        </a:xfrm>
+      </p:grpSpPr>
+      <p:sp>
+        <p:nvSpPr>
+          <p:cNvPr id="4" name="Título 1">
+            <a:extLst>
+              <a:ext uri="{FF2B5EF4-FFF2-40B4-BE49-F238E27FC236}">
+                <a16:creationId xmlns:a16="http://schemas.microsoft.com/office/drawing/2014/main" id="{C84B6533-E7DE-469C-9378-BD1213A88E43}"/>
+              </a:ext>
+            </a:extLst>
+          </p:cNvPr>
+          <p:cNvSpPr>
+            <a:spLocks noGrp="1"/>
+          </p:cNvSpPr>
+          <p:nvPr>
+            <p:ph type="title"/>
+          </p:nvPr>
+        </p:nvSpPr>
+        <p:spPr>
+          <a:xfrm>
+            <a:off x="600422" y="935120"/>
+            <a:ext cx="9613861" cy="1080938"/>
+          </a:xfrm>
+        </p:spPr>
+        <p:txBody>
+          <a:bodyPr>
+            <a:normAutofit/>
+          </a:bodyPr>
+          <a:lstStyle/>
+          <a:p>
+            <a:r>
+              <a:rPr lang="es-ES" dirty="0">
+                <a:solidFill>
+                  <a:srgbClr val="FF0000"/>
+                </a:solidFill>
+                <a:latin typeface="Calibri Light" panose="020F0302020204030204" pitchFamily="34" charset="0"/>
+                <a:ea typeface="Times New Roman" panose="02020603050405020304" pitchFamily="18" charset="0"/>
+                <a:cs typeface="Times New Roman" panose="02020603050405020304" pitchFamily="18" charset="0"/>
+              </a:rPr>
+              <a:t>Hilos y multijugador.</a:t>
+            </a:r>
+            <a:br>
+              <a:rPr lang="es-ES" sz="3600" dirty="0">
+                <a:solidFill>
+                  <a:srgbClr val="FF0000"/>
+                </a:solidFill>
+                <a:effectLst/>
+                <a:latin typeface="Calibri" panose="020F0502020204030204" pitchFamily="34" charset="0"/>
+                <a:ea typeface="Times New Roman" panose="02020603050405020304" pitchFamily="18" charset="0"/>
+                <a:cs typeface="Times New Roman" panose="02020603050405020304" pitchFamily="18" charset="0"/>
+              </a:rPr>
+            </a:br>
+            <a:endParaRPr lang="es-ES" dirty="0"/>
+          </a:p>
+        </p:txBody>
+      </p:sp>
+      <p:pic>
+        <p:nvPicPr>
+          <p:cNvPr id="5" name="Picture 4" descr="Icono Pantalla, escritorio, pc, ordenador Gratis de Office">
+            <a:extLst>
+              <a:ext uri="{FF2B5EF4-FFF2-40B4-BE49-F238E27FC236}">
+                <a16:creationId xmlns:a16="http://schemas.microsoft.com/office/drawing/2014/main" id="{AE36EF26-F559-4369-8937-04EEB01C3F7D}"/>
+              </a:ext>
+            </a:extLst>
+          </p:cNvPr>
+          <p:cNvPicPr>
+            <a:picLocks noChangeAspect="1" noChangeArrowheads="1"/>
+          </p:cNvPicPr>
+          <p:nvPr/>
+        </p:nvPicPr>
+        <p:blipFill>
+          <a:blip r:embed="rId2">
+            <a:extLst>
+              <a:ext uri="{28A0092B-C50C-407E-A947-70E740481C1C}">
+                <a14:useLocalDpi xmlns:a14="http://schemas.microsoft.com/office/drawing/2010/main" val="0"/>
+              </a:ext>
+            </a:extLst>
+          </a:blip>
+          <a:srcRect/>
+          <a:stretch>
+            <a:fillRect/>
+          </a:stretch>
+        </p:blipFill>
+        <p:spPr bwMode="auto">
+          <a:xfrm>
+            <a:off x="1274767" y="3356035"/>
+            <a:ext cx="2001093" cy="2001093"/>
+          </a:xfrm>
+          <a:prstGeom prst="rect">
+            <a:avLst/>
+          </a:prstGeom>
+          <a:noFill/>
+          <a:extLst>
+            <a:ext uri="{909E8E84-426E-40DD-AFC4-6F175D3DCCD1}">
+              <a14:hiddenFill xmlns:a14="http://schemas.microsoft.com/office/drawing/2010/main">
+                <a:solidFill>
+                  <a:srgbClr val="FFFFFF"/>
+                </a:solidFill>
+              </a14:hiddenFill>
+            </a:ext>
+          </a:extLst>
+        </p:spPr>
+      </p:pic>
+      <p:pic>
+        <p:nvPicPr>
+          <p:cNvPr id="6" name="Picture 6" descr="Contacto - Sección Sindical de la CSC en Ayesa AT">
+            <a:extLst>
+              <a:ext uri="{FF2B5EF4-FFF2-40B4-BE49-F238E27FC236}">
+                <a16:creationId xmlns:a16="http://schemas.microsoft.com/office/drawing/2014/main" id="{B362DAE3-2326-4C47-A4D7-000F229BC89C}"/>
+              </a:ext>
+            </a:extLst>
+          </p:cNvPr>
+          <p:cNvPicPr>
+            <a:picLocks noChangeAspect="1" noChangeArrowheads="1"/>
+          </p:cNvPicPr>
+          <p:nvPr/>
+        </p:nvPicPr>
+        <p:blipFill>
+          <a:blip r:embed="rId3">
+            <a:extLst>
+              <a:ext uri="{28A0092B-C50C-407E-A947-70E740481C1C}">
+                <a14:useLocalDpi xmlns:a14="http://schemas.microsoft.com/office/drawing/2010/main" val="0"/>
+              </a:ext>
+            </a:extLst>
+          </a:blip>
+          <a:srcRect/>
+          <a:stretch>
+            <a:fillRect/>
+          </a:stretch>
+        </p:blipFill>
+        <p:spPr bwMode="auto">
+          <a:xfrm>
+            <a:off x="8991396" y="3356034"/>
+            <a:ext cx="2001093" cy="2001093"/>
+          </a:xfrm>
+          <a:prstGeom prst="rect">
+            <a:avLst/>
+          </a:prstGeom>
+          <a:noFill/>
+          <a:extLst>
+            <a:ext uri="{909E8E84-426E-40DD-AFC4-6F175D3DCCD1}">
+              <a14:hiddenFill xmlns:a14="http://schemas.microsoft.com/office/drawing/2010/main">
+                <a:solidFill>
+                  <a:srgbClr val="FFFFFF"/>
+                </a:solidFill>
+              </a14:hiddenFill>
+            </a:ext>
+          </a:extLst>
+        </p:spPr>
+      </p:pic>
+      <p:pic>
+        <p:nvPicPr>
+          <p:cNvPr id="1026" name="Picture 2" descr="👂 Oreja Emoji">
+            <a:extLst>
+              <a:ext uri="{FF2B5EF4-FFF2-40B4-BE49-F238E27FC236}">
+                <a16:creationId xmlns:a16="http://schemas.microsoft.com/office/drawing/2014/main" id="{D324D95A-2D42-4453-BCFC-871DF388916C}"/>
+              </a:ext>
+            </a:extLst>
+          </p:cNvPr>
+          <p:cNvPicPr>
+            <a:picLocks noChangeAspect="1" noChangeArrowheads="1"/>
+          </p:cNvPicPr>
+          <p:nvPr/>
+        </p:nvPicPr>
+        <p:blipFill>
+          <a:blip r:embed="rId4">
+            <a:extLst>
+              <a:ext uri="{28A0092B-C50C-407E-A947-70E740481C1C}">
+                <a14:useLocalDpi xmlns:a14="http://schemas.microsoft.com/office/drawing/2010/main" val="0"/>
+              </a:ext>
+            </a:extLst>
+          </a:blip>
+          <a:srcRect/>
+          <a:stretch>
+            <a:fillRect/>
+          </a:stretch>
+        </p:blipFill>
+        <p:spPr bwMode="auto">
+          <a:xfrm>
+            <a:off x="2650160" y="3213716"/>
+            <a:ext cx="1437443" cy="1437443"/>
+          </a:xfrm>
+          <a:prstGeom prst="rect">
+            <a:avLst/>
+          </a:prstGeom>
+          <a:noFill/>
+          <a:extLst>
+            <a:ext uri="{909E8E84-426E-40DD-AFC4-6F175D3DCCD1}">
+              <a14:hiddenFill xmlns:a14="http://schemas.microsoft.com/office/drawing/2010/main">
+                <a:solidFill>
+                  <a:srgbClr val="FFFFFF"/>
+                </a:solidFill>
+              </a14:hiddenFill>
+            </a:ext>
+          </a:extLst>
+        </p:spPr>
+      </p:pic>
+      <p:pic>
+        <p:nvPicPr>
+          <p:cNvPr id="9" name="Picture 2" descr="👂 Oreja Emoji">
+            <a:extLst>
+              <a:ext uri="{FF2B5EF4-FFF2-40B4-BE49-F238E27FC236}">
+                <a16:creationId xmlns:a16="http://schemas.microsoft.com/office/drawing/2014/main" id="{D5246640-D3DF-473A-9CCC-D76772E82011}"/>
+              </a:ext>
+            </a:extLst>
+          </p:cNvPr>
+          <p:cNvPicPr>
+            <a:picLocks noChangeAspect="1" noChangeArrowheads="1"/>
+          </p:cNvPicPr>
+          <p:nvPr/>
+        </p:nvPicPr>
+        <p:blipFill>
+          <a:blip r:embed="rId4">
+            <a:extLst>
+              <a:ext uri="{28A0092B-C50C-407E-A947-70E740481C1C}">
+                <a14:useLocalDpi xmlns:a14="http://schemas.microsoft.com/office/drawing/2010/main" val="0"/>
+              </a:ext>
+            </a:extLst>
+          </a:blip>
+          <a:srcRect/>
+          <a:stretch>
+            <a:fillRect/>
+          </a:stretch>
+        </p:blipFill>
+        <p:spPr bwMode="auto">
+          <a:xfrm flipH="1">
+            <a:off x="8638897" y="3320249"/>
+            <a:ext cx="1437443" cy="1437443"/>
+          </a:xfrm>
+          <a:prstGeom prst="rect">
+            <a:avLst/>
+          </a:prstGeom>
+          <a:noFill/>
+          <a:extLst>
+            <a:ext uri="{909E8E84-426E-40DD-AFC4-6F175D3DCCD1}">
+              <a14:hiddenFill xmlns:a14="http://schemas.microsoft.com/office/drawing/2010/main">
+                <a:solidFill>
+                  <a:srgbClr val="FFFFFF"/>
+                </a:solidFill>
+              </a14:hiddenFill>
+            </a:ext>
+          </a:extLst>
+        </p:spPr>
+      </p:pic>
+      <p:sp>
+        <p:nvSpPr>
+          <p:cNvPr id="11" name="Flecha: hacia abajo 10">
+            <a:extLst>
+              <a:ext uri="{FF2B5EF4-FFF2-40B4-BE49-F238E27FC236}">
+                <a16:creationId xmlns:a16="http://schemas.microsoft.com/office/drawing/2014/main" id="{690EDFD0-5A49-4765-AB92-BC9F1E3918BF}"/>
+              </a:ext>
+            </a:extLst>
+          </p:cNvPr>
+          <p:cNvSpPr/>
+          <p:nvPr/>
+        </p:nvSpPr>
+        <p:spPr>
+          <a:xfrm rot="4879144" flipV="1">
+            <a:off x="5958381" y="1560363"/>
+            <a:ext cx="269289" cy="5507957"/>
+          </a:xfrm>
+          <a:prstGeom prst="downArrow">
+            <a:avLst>
+              <a:gd name="adj1" fmla="val 50000"/>
+              <a:gd name="adj2" fmla="val 129121"/>
+            </a:avLst>
+          </a:prstGeom>
+        </p:spPr>
+        <p:style>
+          <a:lnRef idx="2">
+            <a:schemeClr val="accent1">
+              <a:shade val="50000"/>
+            </a:schemeClr>
+          </a:lnRef>
+          <a:fillRef idx="1">
+            <a:schemeClr val="accent1"/>
+          </a:fillRef>
+          <a:effectRef idx="0">
+            <a:schemeClr val="accent1"/>
+          </a:effectRef>
+          <a:fontRef idx="minor">
+            <a:schemeClr val="lt1"/>
+          </a:fontRef>
+        </p:style>
+        <p:txBody>
+          <a:bodyPr rtlCol="0" anchor="ctr"/>
+          <a:lstStyle/>
+          <a:p>
+            <a:pPr algn="ctr"/>
+            <a:endParaRPr lang="es-ES"/>
+          </a:p>
+        </p:txBody>
+      </p:sp>
+      <p:sp>
+        <p:nvSpPr>
+          <p:cNvPr id="12" name="Flecha: hacia abajo 11">
+            <a:extLst>
+              <a:ext uri="{FF2B5EF4-FFF2-40B4-BE49-F238E27FC236}">
+                <a16:creationId xmlns:a16="http://schemas.microsoft.com/office/drawing/2014/main" id="{314E553F-6E9B-4041-9C79-6EB50D588313}"/>
+              </a:ext>
+            </a:extLst>
+          </p:cNvPr>
+          <p:cNvSpPr/>
+          <p:nvPr/>
+        </p:nvSpPr>
+        <p:spPr>
+          <a:xfrm rot="16797625" flipV="1">
+            <a:off x="6499257" y="1557681"/>
+            <a:ext cx="269289" cy="5507957"/>
+          </a:xfrm>
+          <a:prstGeom prst="downArrow">
+            <a:avLst>
+              <a:gd name="adj1" fmla="val 50000"/>
+              <a:gd name="adj2" fmla="val 129121"/>
+            </a:avLst>
+          </a:prstGeom>
+        </p:spPr>
+        <p:style>
+          <a:lnRef idx="2">
+            <a:schemeClr val="accent1">
+              <a:shade val="50000"/>
+            </a:schemeClr>
+          </a:lnRef>
+          <a:fillRef idx="1">
+            <a:schemeClr val="accent1"/>
+          </a:fillRef>
+          <a:effectRef idx="0">
+            <a:schemeClr val="accent1"/>
+          </a:effectRef>
+          <a:fontRef idx="minor">
+            <a:schemeClr val="lt1"/>
+          </a:fontRef>
+        </p:style>
+        <p:txBody>
+          <a:bodyPr rtlCol="0" anchor="ctr"/>
+          <a:lstStyle/>
+          <a:p>
+            <a:pPr algn="ctr"/>
+            <a:endParaRPr lang="es-ES"/>
+          </a:p>
+        </p:txBody>
+      </p:sp>
+      <p:sp>
+        <p:nvSpPr>
+          <p:cNvPr id="13" name="CuadroTexto 12">
+            <a:extLst>
+              <a:ext uri="{FF2B5EF4-FFF2-40B4-BE49-F238E27FC236}">
+                <a16:creationId xmlns:a16="http://schemas.microsoft.com/office/drawing/2014/main" id="{F64305C6-A34F-4D4A-8807-40CBF3D0114D}"/>
+              </a:ext>
+            </a:extLst>
+          </p:cNvPr>
+          <p:cNvSpPr txBox="1"/>
+          <p:nvPr/>
+        </p:nvSpPr>
+        <p:spPr>
+          <a:xfrm>
+            <a:off x="5023450" y="2709703"/>
+            <a:ext cx="2949346" cy="830997"/>
+          </a:xfrm>
+          <a:prstGeom prst="rect">
+            <a:avLst/>
+          </a:prstGeom>
+          <a:noFill/>
+        </p:spPr>
+        <p:txBody>
+          <a:bodyPr wrap="square" rtlCol="0">
+            <a:spAutoFit/>
+          </a:bodyPr>
+          <a:lstStyle/>
+          <a:p>
+            <a:r>
+              <a:rPr lang="es-ES" sz="1200" dirty="0"/>
+              <a:t>	Cuando recibe respuesta se activa automáticamente el modo multijugador.</a:t>
+            </a:r>
+          </a:p>
+          <a:p>
+            <a:r>
+              <a:rPr lang="es-ES" sz="1200" dirty="0"/>
+              <a:t>	</a:t>
+            </a:r>
+            <a:endParaRPr lang="es-ES" dirty="0"/>
+          </a:p>
+        </p:txBody>
+      </p:sp>
+      <p:sp>
+        <p:nvSpPr>
+          <p:cNvPr id="15" name="CuadroTexto 14">
+            <a:extLst>
+              <a:ext uri="{FF2B5EF4-FFF2-40B4-BE49-F238E27FC236}">
+                <a16:creationId xmlns:a16="http://schemas.microsoft.com/office/drawing/2014/main" id="{E5FF0D84-9441-40FD-B962-BFF3C27E96BD}"/>
+              </a:ext>
+            </a:extLst>
+          </p:cNvPr>
+          <p:cNvSpPr txBox="1"/>
+          <p:nvPr/>
+        </p:nvSpPr>
+        <p:spPr>
+          <a:xfrm>
+            <a:off x="5023451" y="5033961"/>
+            <a:ext cx="2949346" cy="646331"/>
+          </a:xfrm>
+          <a:prstGeom prst="rect">
+            <a:avLst/>
+          </a:prstGeom>
+          <a:noFill/>
+        </p:spPr>
+        <p:txBody>
+          <a:bodyPr wrap="square">
+            <a:spAutoFit/>
+          </a:bodyPr>
+          <a:lstStyle/>
+          <a:p>
+            <a:r>
+              <a:rPr lang="es-ES" sz="1200" dirty="0"/>
+              <a:t>	Si deja de recibirla o el Android se desconecta, se desactiva y continúa funcionando normalmente.</a:t>
+            </a:r>
+          </a:p>
+        </p:txBody>
+      </p:sp>
+    </p:spTree>
+    <p:extLst>
+      <p:ext uri="{BB962C8B-B14F-4D97-AF65-F5344CB8AC3E}">
+        <p14:creationId xmlns:p14="http://schemas.microsoft.com/office/powerpoint/2010/main" val="3304428839"/>
       </p:ext>
     </p:extLst>
   </p:cSld>
